--- a/PROJECT DOCUMENTATIONS/Datebase/ERD_Schema.pptx
+++ b/PROJECT DOCUMENTATIONS/Datebase/ERD_Schema.pptx
@@ -261,7 +261,7 @@
           <a:p>
             <a:fld id="{0732F188-C631-46CC-B9EC-89A1716C60D7}" type="datetimeFigureOut">
               <a:rPr lang="ar-EG" smtClean="0"/>
-              <a:t>18/10/1442</a:t>
+              <a:t>16/10/1443</a:t>
             </a:fld>
             <a:endParaRPr lang="ar-EG"/>
           </a:p>
@@ -461,7 +461,7 @@
           <a:p>
             <a:fld id="{0732F188-C631-46CC-B9EC-89A1716C60D7}" type="datetimeFigureOut">
               <a:rPr lang="ar-EG" smtClean="0"/>
-              <a:t>18/10/1442</a:t>
+              <a:t>16/10/1443</a:t>
             </a:fld>
             <a:endParaRPr lang="ar-EG"/>
           </a:p>
@@ -671,7 +671,7 @@
           <a:p>
             <a:fld id="{0732F188-C631-46CC-B9EC-89A1716C60D7}" type="datetimeFigureOut">
               <a:rPr lang="ar-EG" smtClean="0"/>
-              <a:t>18/10/1442</a:t>
+              <a:t>16/10/1443</a:t>
             </a:fld>
             <a:endParaRPr lang="ar-EG"/>
           </a:p>
@@ -871,7 +871,7 @@
           <a:p>
             <a:fld id="{0732F188-C631-46CC-B9EC-89A1716C60D7}" type="datetimeFigureOut">
               <a:rPr lang="ar-EG" smtClean="0"/>
-              <a:t>18/10/1442</a:t>
+              <a:t>16/10/1443</a:t>
             </a:fld>
             <a:endParaRPr lang="ar-EG"/>
           </a:p>
@@ -1147,7 +1147,7 @@
           <a:p>
             <a:fld id="{0732F188-C631-46CC-B9EC-89A1716C60D7}" type="datetimeFigureOut">
               <a:rPr lang="ar-EG" smtClean="0"/>
-              <a:t>18/10/1442</a:t>
+              <a:t>16/10/1443</a:t>
             </a:fld>
             <a:endParaRPr lang="ar-EG"/>
           </a:p>
@@ -1415,7 +1415,7 @@
           <a:p>
             <a:fld id="{0732F188-C631-46CC-B9EC-89A1716C60D7}" type="datetimeFigureOut">
               <a:rPr lang="ar-EG" smtClean="0"/>
-              <a:t>18/10/1442</a:t>
+              <a:t>16/10/1443</a:t>
             </a:fld>
             <a:endParaRPr lang="ar-EG"/>
           </a:p>
@@ -1830,7 +1830,7 @@
           <a:p>
             <a:fld id="{0732F188-C631-46CC-B9EC-89A1716C60D7}" type="datetimeFigureOut">
               <a:rPr lang="ar-EG" smtClean="0"/>
-              <a:t>18/10/1442</a:t>
+              <a:t>16/10/1443</a:t>
             </a:fld>
             <a:endParaRPr lang="ar-EG"/>
           </a:p>
@@ -1972,7 +1972,7 @@
           <a:p>
             <a:fld id="{0732F188-C631-46CC-B9EC-89A1716C60D7}" type="datetimeFigureOut">
               <a:rPr lang="ar-EG" smtClean="0"/>
-              <a:t>18/10/1442</a:t>
+              <a:t>16/10/1443</a:t>
             </a:fld>
             <a:endParaRPr lang="ar-EG"/>
           </a:p>
@@ -2085,7 +2085,7 @@
           <a:p>
             <a:fld id="{0732F188-C631-46CC-B9EC-89A1716C60D7}" type="datetimeFigureOut">
               <a:rPr lang="ar-EG" smtClean="0"/>
-              <a:t>18/10/1442</a:t>
+              <a:t>16/10/1443</a:t>
             </a:fld>
             <a:endParaRPr lang="ar-EG"/>
           </a:p>
@@ -2398,7 +2398,7 @@
           <a:p>
             <a:fld id="{0732F188-C631-46CC-B9EC-89A1716C60D7}" type="datetimeFigureOut">
               <a:rPr lang="ar-EG" smtClean="0"/>
-              <a:t>18/10/1442</a:t>
+              <a:t>16/10/1443</a:t>
             </a:fld>
             <a:endParaRPr lang="ar-EG"/>
           </a:p>
@@ -2687,7 +2687,7 @@
           <a:p>
             <a:fld id="{0732F188-C631-46CC-B9EC-89A1716C60D7}" type="datetimeFigureOut">
               <a:rPr lang="ar-EG" smtClean="0"/>
-              <a:t>18/10/1442</a:t>
+              <a:t>16/10/1443</a:t>
             </a:fld>
             <a:endParaRPr lang="ar-EG"/>
           </a:p>
@@ -2930,7 +2930,7 @@
           <a:p>
             <a:fld id="{0732F188-C631-46CC-B9EC-89A1716C60D7}" type="datetimeFigureOut">
               <a:rPr lang="ar-EG" smtClean="0"/>
-              <a:t>18/10/1442</a:t>
+              <a:t>16/10/1443</a:t>
             </a:fld>
             <a:endParaRPr lang="ar-EG"/>
           </a:p>
@@ -3349,86 +3349,6 @@
       </p:grpSpPr>
       <p:cxnSp>
         <p:nvCxnSpPr>
-          <p:cNvPr id="248" name="Straight Connector 247">
-            <a:extLst>
-              <a:ext uri="{FF2B5EF4-FFF2-40B4-BE49-F238E27FC236}">
-                <a16:creationId xmlns:a16="http://schemas.microsoft.com/office/drawing/2014/main" id="{D9C60F3E-2297-4686-89F9-36A8D739E5B6}"/>
-              </a:ext>
-            </a:extLst>
-          </p:cNvPr>
-          <p:cNvCxnSpPr>
-            <a:cxnSpLocks/>
-            <a:stCxn id="4" idx="2"/>
-            <a:endCxn id="250" idx="2"/>
-          </p:cNvCxnSpPr>
-          <p:nvPr/>
-        </p:nvCxnSpPr>
-        <p:spPr>
-          <a:xfrm flipV="1">
-            <a:off x="1011860" y="3942649"/>
-            <a:ext cx="1449778" cy="758045"/>
-          </a:xfrm>
-          <a:prstGeom prst="line">
-            <a:avLst/>
-          </a:prstGeom>
-        </p:spPr>
-        <p:style>
-          <a:lnRef idx="1">
-            <a:schemeClr val="dk1"/>
-          </a:lnRef>
-          <a:fillRef idx="0">
-            <a:schemeClr val="dk1"/>
-          </a:fillRef>
-          <a:effectRef idx="0">
-            <a:schemeClr val="dk1"/>
-          </a:effectRef>
-          <a:fontRef idx="minor">
-            <a:schemeClr val="tx1"/>
-          </a:fontRef>
-        </p:style>
-      </p:cxnSp>
-      <p:cxnSp>
-        <p:nvCxnSpPr>
-          <p:cNvPr id="238" name="Straight Connector 237">
-            <a:extLst>
-              <a:ext uri="{FF2B5EF4-FFF2-40B4-BE49-F238E27FC236}">
-                <a16:creationId xmlns:a16="http://schemas.microsoft.com/office/drawing/2014/main" id="{C582ECA2-7F45-4107-8AEF-3AF3DC0511B2}"/>
-              </a:ext>
-            </a:extLst>
-          </p:cNvPr>
-          <p:cNvCxnSpPr>
-            <a:cxnSpLocks/>
-            <a:stCxn id="233" idx="2"/>
-            <a:endCxn id="239" idx="6"/>
-          </p:cNvCxnSpPr>
-          <p:nvPr/>
-        </p:nvCxnSpPr>
-        <p:spPr>
-          <a:xfrm flipH="1">
-            <a:off x="13964191" y="3873528"/>
-            <a:ext cx="1082983" cy="828692"/>
-          </a:xfrm>
-          <a:prstGeom prst="line">
-            <a:avLst/>
-          </a:prstGeom>
-        </p:spPr>
-        <p:style>
-          <a:lnRef idx="1">
-            <a:schemeClr val="dk1"/>
-          </a:lnRef>
-          <a:fillRef idx="0">
-            <a:schemeClr val="dk1"/>
-          </a:fillRef>
-          <a:effectRef idx="0">
-            <a:schemeClr val="dk1"/>
-          </a:effectRef>
-          <a:fontRef idx="minor">
-            <a:schemeClr val="tx1"/>
-          </a:fontRef>
-        </p:style>
-      </p:cxnSp>
-      <p:cxnSp>
-        <p:nvCxnSpPr>
           <p:cNvPr id="215" name="Straight Connector 214">
             <a:extLst>
               <a:ext uri="{FF2B5EF4-FFF2-40B4-BE49-F238E27FC236}">
@@ -3485,8 +3405,8 @@
         </p:nvCxnSpPr>
         <p:spPr>
           <a:xfrm flipH="1">
-            <a:off x="-607821" y="4700694"/>
-            <a:ext cx="1619681" cy="312367"/>
+            <a:off x="-541208" y="4700694"/>
+            <a:ext cx="1553068" cy="284029"/>
           </a:xfrm>
           <a:prstGeom prst="line">
             <a:avLst/>
@@ -3521,8 +3441,8 @@
         </p:nvSpPr>
         <p:spPr>
           <a:xfrm>
-            <a:off x="-1055224" y="5013061"/>
-            <a:ext cx="894805" cy="444136"/>
+            <a:off x="-1157001" y="4984723"/>
+            <a:ext cx="1231586" cy="444136"/>
           </a:xfrm>
           <a:prstGeom prst="ellipse">
             <a:avLst/>
@@ -3553,10 +3473,15 @@
           <a:p>
             <a:pPr algn="ctr"/>
             <a:r>
-              <a:rPr lang="en-US" sz="1400" u="dash" dirty="0"/>
-              <a:t>MID</a:t>
+              <a:rPr lang="en-US" sz="1200" u="sng" dirty="0">
+                <a:solidFill>
+                  <a:srgbClr val="000000"/>
+                </a:solidFill>
+                <a:effectLst/>
+              </a:rPr>
+              <a:t>memberID</a:t>
             </a:r>
-            <a:endParaRPr lang="ar-EG" sz="1400" u="dash" dirty="0"/>
+            <a:endParaRPr lang="ar-EG" sz="1200" u="sng" dirty="0"/>
           </a:p>
         </p:txBody>
       </p:sp>
@@ -3672,7 +3597,7 @@
         <p:spPr>
           <a:xfrm>
             <a:off x="1011860" y="4700694"/>
-            <a:ext cx="924354" cy="950878"/>
+            <a:ext cx="859884" cy="944473"/>
           </a:xfrm>
           <a:prstGeom prst="line">
             <a:avLst/>
@@ -3707,8 +3632,8 @@
         </p:nvSpPr>
         <p:spPr>
           <a:xfrm>
-            <a:off x="1488811" y="5651572"/>
-            <a:ext cx="894805" cy="444136"/>
+            <a:off x="1375250" y="5645167"/>
+            <a:ext cx="992988" cy="444136"/>
           </a:xfrm>
           <a:prstGeom prst="ellipse">
             <a:avLst/>
@@ -3739,8 +3664,13 @@
           <a:p>
             <a:pPr algn="ctr"/>
             <a:r>
-              <a:rPr lang="en-US" sz="1400" dirty="0" err="1"/>
-              <a:t>AreaName</a:t>
+              <a:rPr lang="en-US" sz="1400" dirty="0">
+                <a:solidFill>
+                  <a:srgbClr val="000000"/>
+                </a:solidFill>
+                <a:effectLst/>
+              </a:rPr>
+              <a:t>AreaID</a:t>
             </a:r>
             <a:endParaRPr lang="ar-EG" sz="1400" dirty="0"/>
           </a:p>
@@ -4568,310 +4498,6 @@
                 <a:t>Address</a:t>
               </a:r>
               <a:endParaRPr lang="ar-EG" sz="1000" dirty="0"/>
-            </a:p>
-          </p:txBody>
-        </p:sp>
-      </p:grpSp>
-      <p:cxnSp>
-        <p:nvCxnSpPr>
-          <p:cNvPr id="128" name="Straight Connector 127">
-            <a:extLst>
-              <a:ext uri="{FF2B5EF4-FFF2-40B4-BE49-F238E27FC236}">
-                <a16:creationId xmlns:a16="http://schemas.microsoft.com/office/drawing/2014/main" id="{CDA5F55F-F3F0-43B4-8CB9-7E8E8BA56CE5}"/>
-              </a:ext>
-            </a:extLst>
-          </p:cNvPr>
-          <p:cNvCxnSpPr>
-            <a:cxnSpLocks/>
-            <a:stCxn id="4" idx="2"/>
-            <a:endCxn id="130" idx="4"/>
-          </p:cNvCxnSpPr>
-          <p:nvPr/>
-        </p:nvCxnSpPr>
-        <p:spPr>
-          <a:xfrm flipV="1">
-            <a:off x="1011860" y="3429000"/>
-            <a:ext cx="656781" cy="1271694"/>
-          </a:xfrm>
-          <a:prstGeom prst="line">
-            <a:avLst/>
-          </a:prstGeom>
-        </p:spPr>
-        <p:style>
-          <a:lnRef idx="1">
-            <a:schemeClr val="dk1"/>
-          </a:lnRef>
-          <a:fillRef idx="0">
-            <a:schemeClr val="dk1"/>
-          </a:fillRef>
-          <a:effectRef idx="0">
-            <a:schemeClr val="dk1"/>
-          </a:effectRef>
-          <a:fontRef idx="minor">
-            <a:schemeClr val="tx1"/>
-          </a:fontRef>
-        </p:style>
-      </p:cxnSp>
-      <p:grpSp>
-        <p:nvGrpSpPr>
-          <p:cNvPr id="129" name="Group 128">
-            <a:extLst>
-              <a:ext uri="{FF2B5EF4-FFF2-40B4-BE49-F238E27FC236}">
-                <a16:creationId xmlns:a16="http://schemas.microsoft.com/office/drawing/2014/main" id="{BD7044AF-EDAF-46F9-8AEC-B47A57A23BE8}"/>
-              </a:ext>
-            </a:extLst>
-          </p:cNvPr>
-          <p:cNvGrpSpPr/>
-          <p:nvPr/>
-        </p:nvGrpSpPr>
-        <p:grpSpPr>
-          <a:xfrm>
-            <a:off x="1221238" y="2984864"/>
-            <a:ext cx="894805" cy="444136"/>
-            <a:chOff x="4855130" y="795209"/>
-            <a:chExt cx="894805" cy="444136"/>
-          </a:xfrm>
-        </p:grpSpPr>
-        <p:sp>
-          <p:nvSpPr>
-            <p:cNvPr id="130" name="Oval 129">
-              <a:extLst>
-                <a:ext uri="{FF2B5EF4-FFF2-40B4-BE49-F238E27FC236}">
-                  <a16:creationId xmlns:a16="http://schemas.microsoft.com/office/drawing/2014/main" id="{78A2FBB7-4F91-4F98-8760-08E41B2A4B30}"/>
-                </a:ext>
-              </a:extLst>
-            </p:cNvPr>
-            <p:cNvSpPr/>
-            <p:nvPr/>
-          </p:nvSpPr>
-          <p:spPr>
-            <a:xfrm>
-              <a:off x="4855130" y="795209"/>
-              <a:ext cx="894805" cy="444136"/>
-            </a:xfrm>
-            <a:prstGeom prst="ellipse">
-              <a:avLst/>
-            </a:prstGeom>
-            <a:ln>
-              <a:solidFill>
-                <a:schemeClr val="tx1"/>
-              </a:solidFill>
-            </a:ln>
-          </p:spPr>
-          <p:style>
-            <a:lnRef idx="2">
-              <a:schemeClr val="accent6"/>
-            </a:lnRef>
-            <a:fillRef idx="1">
-              <a:schemeClr val="lt1"/>
-            </a:fillRef>
-            <a:effectRef idx="0">
-              <a:schemeClr val="accent6"/>
-            </a:effectRef>
-            <a:fontRef idx="minor">
-              <a:schemeClr val="dk1"/>
-            </a:fontRef>
-          </p:style>
-          <p:txBody>
-            <a:bodyPr rtlCol="1" anchor="ctr"/>
-            <a:lstStyle/>
-            <a:p>
-              <a:pPr algn="ctr"/>
-              <a:endParaRPr lang="ar-EG" sz="500" dirty="0"/>
-            </a:p>
-          </p:txBody>
-        </p:sp>
-        <p:sp>
-          <p:nvSpPr>
-            <p:cNvPr id="131" name="TextBox 130">
-              <a:extLst>
-                <a:ext uri="{FF2B5EF4-FFF2-40B4-BE49-F238E27FC236}">
-                  <a16:creationId xmlns:a16="http://schemas.microsoft.com/office/drawing/2014/main" id="{390B5175-6825-40E3-A986-731B571A05C6}"/>
-                </a:ext>
-              </a:extLst>
-            </p:cNvPr>
-            <p:cNvSpPr txBox="1"/>
-            <p:nvPr/>
-          </p:nvSpPr>
-          <p:spPr>
-            <a:xfrm>
-              <a:off x="4895280" y="862041"/>
-              <a:ext cx="850900" cy="307777"/>
-            </a:xfrm>
-            <a:prstGeom prst="rect">
-              <a:avLst/>
-            </a:prstGeom>
-            <a:noFill/>
-          </p:spPr>
-          <p:txBody>
-            <a:bodyPr wrap="square" rtlCol="1">
-              <a:spAutoFit/>
-            </a:bodyPr>
-            <a:lstStyle/>
-            <a:p>
-              <a:pPr algn="ctr"/>
-              <a:r>
-                <a:rPr lang="en-US" sz="1400" dirty="0">
-                  <a:effectLst/>
-                  <a:latin typeface="Calibri" panose="020F0502020204030204" pitchFamily="34" charset="0"/>
-                  <a:ea typeface="Calibri" panose="020F0502020204030204" pitchFamily="34" charset="0"/>
-                  <a:cs typeface="Arial" panose="020B0604020202020204" pitchFamily="34" charset="0"/>
-                </a:rPr>
-                <a:t>City</a:t>
-              </a:r>
-              <a:endParaRPr lang="ar-EG" sz="500" dirty="0"/>
-            </a:p>
-          </p:txBody>
-        </p:sp>
-      </p:grpSp>
-      <p:cxnSp>
-        <p:nvCxnSpPr>
-          <p:cNvPr id="158" name="Straight Connector 157">
-            <a:extLst>
-              <a:ext uri="{FF2B5EF4-FFF2-40B4-BE49-F238E27FC236}">
-                <a16:creationId xmlns:a16="http://schemas.microsoft.com/office/drawing/2014/main" id="{A5C789E0-135C-4381-AAB6-504C5927C24B}"/>
-              </a:ext>
-            </a:extLst>
-          </p:cNvPr>
-          <p:cNvCxnSpPr>
-            <a:cxnSpLocks/>
-            <a:stCxn id="4" idx="2"/>
-            <a:endCxn id="160" idx="0"/>
-          </p:cNvCxnSpPr>
-          <p:nvPr/>
-        </p:nvCxnSpPr>
-        <p:spPr>
-          <a:xfrm flipH="1" flipV="1">
-            <a:off x="609724" y="2984864"/>
-            <a:ext cx="402136" cy="1715830"/>
-          </a:xfrm>
-          <a:prstGeom prst="line">
-            <a:avLst/>
-          </a:prstGeom>
-        </p:spPr>
-        <p:style>
-          <a:lnRef idx="1">
-            <a:schemeClr val="dk1"/>
-          </a:lnRef>
-          <a:fillRef idx="0">
-            <a:schemeClr val="dk1"/>
-          </a:fillRef>
-          <a:effectRef idx="0">
-            <a:schemeClr val="dk1"/>
-          </a:effectRef>
-          <a:fontRef idx="minor">
-            <a:schemeClr val="tx1"/>
-          </a:fontRef>
-        </p:style>
-      </p:cxnSp>
-      <p:grpSp>
-        <p:nvGrpSpPr>
-          <p:cNvPr id="159" name="Group 158">
-            <a:extLst>
-              <a:ext uri="{FF2B5EF4-FFF2-40B4-BE49-F238E27FC236}">
-                <a16:creationId xmlns:a16="http://schemas.microsoft.com/office/drawing/2014/main" id="{3E2885D0-5912-4C84-A635-3DE1E5D2AF8A}"/>
-              </a:ext>
-            </a:extLst>
-          </p:cNvPr>
-          <p:cNvGrpSpPr/>
-          <p:nvPr/>
-        </p:nvGrpSpPr>
-        <p:grpSpPr>
-          <a:xfrm>
-            <a:off x="162321" y="2984864"/>
-            <a:ext cx="894805" cy="444136"/>
-            <a:chOff x="4855130" y="795209"/>
-            <a:chExt cx="894805" cy="444136"/>
-          </a:xfrm>
-        </p:grpSpPr>
-        <p:sp>
-          <p:nvSpPr>
-            <p:cNvPr id="160" name="Oval 159">
-              <a:extLst>
-                <a:ext uri="{FF2B5EF4-FFF2-40B4-BE49-F238E27FC236}">
-                  <a16:creationId xmlns:a16="http://schemas.microsoft.com/office/drawing/2014/main" id="{E9929ABF-59EA-4F93-89A6-9588136CB0EB}"/>
-                </a:ext>
-              </a:extLst>
-            </p:cNvPr>
-            <p:cNvSpPr/>
-            <p:nvPr/>
-          </p:nvSpPr>
-          <p:spPr>
-            <a:xfrm>
-              <a:off x="4855130" y="795209"/>
-              <a:ext cx="894805" cy="444136"/>
-            </a:xfrm>
-            <a:prstGeom prst="ellipse">
-              <a:avLst/>
-            </a:prstGeom>
-            <a:ln>
-              <a:solidFill>
-                <a:schemeClr val="tx1"/>
-              </a:solidFill>
-            </a:ln>
-          </p:spPr>
-          <p:style>
-            <a:lnRef idx="2">
-              <a:schemeClr val="accent6"/>
-            </a:lnRef>
-            <a:fillRef idx="1">
-              <a:schemeClr val="lt1"/>
-            </a:fillRef>
-            <a:effectRef idx="0">
-              <a:schemeClr val="accent6"/>
-            </a:effectRef>
-            <a:fontRef idx="minor">
-              <a:schemeClr val="dk1"/>
-            </a:fontRef>
-          </p:style>
-          <p:txBody>
-            <a:bodyPr rtlCol="1" anchor="ctr"/>
-            <a:lstStyle/>
-            <a:p>
-              <a:pPr algn="ctr"/>
-              <a:endParaRPr lang="ar-EG" sz="500" dirty="0"/>
-            </a:p>
-          </p:txBody>
-        </p:sp>
-        <p:sp>
-          <p:nvSpPr>
-            <p:cNvPr id="161" name="TextBox 160">
-              <a:extLst>
-                <a:ext uri="{FF2B5EF4-FFF2-40B4-BE49-F238E27FC236}">
-                  <a16:creationId xmlns:a16="http://schemas.microsoft.com/office/drawing/2014/main" id="{F5C6FA4C-E467-4A38-B45A-F8C850D64A7B}"/>
-                </a:ext>
-              </a:extLst>
-            </p:cNvPr>
-            <p:cNvSpPr txBox="1"/>
-            <p:nvPr/>
-          </p:nvSpPr>
-          <p:spPr>
-            <a:xfrm>
-              <a:off x="4895280" y="862041"/>
-              <a:ext cx="850900" cy="261610"/>
-            </a:xfrm>
-            <a:prstGeom prst="rect">
-              <a:avLst/>
-            </a:prstGeom>
-            <a:noFill/>
-          </p:spPr>
-          <p:txBody>
-            <a:bodyPr wrap="square" rtlCol="1">
-              <a:spAutoFit/>
-            </a:bodyPr>
-            <a:lstStyle/>
-            <a:p>
-              <a:pPr algn="ctr"/>
-              <a:r>
-                <a:rPr lang="en-US" sz="1100" dirty="0" err="1">
-                  <a:effectLst/>
-                  <a:latin typeface="Calibri" panose="020F0502020204030204" pitchFamily="34" charset="0"/>
-                  <a:ea typeface="Calibri" panose="020F0502020204030204" pitchFamily="34" charset="0"/>
-                  <a:cs typeface="Arial" panose="020B0604020202020204" pitchFamily="34" charset="0"/>
-                </a:rPr>
-                <a:t>StateName</a:t>
-              </a:r>
-              <a:endParaRPr lang="ar-EG" sz="700" dirty="0"/>
             </a:p>
           </p:txBody>
         </p:sp>
@@ -5112,7 +4738,7 @@
         <p:spPr>
           <a:xfrm>
             <a:off x="7576018" y="3785681"/>
-            <a:ext cx="1004046" cy="1917531"/>
+            <a:ext cx="1044003" cy="1917531"/>
           </a:xfrm>
           <a:prstGeom prst="line">
             <a:avLst/>
@@ -5148,7 +4774,7 @@
         <p:spPr>
           <a:xfrm>
             <a:off x="8132661" y="5703212"/>
-            <a:ext cx="894805" cy="444136"/>
+            <a:ext cx="974720" cy="444136"/>
           </a:xfrm>
           <a:prstGeom prst="ellipse">
             <a:avLst/>
@@ -5179,8 +4805,8 @@
           <a:p>
             <a:pPr algn="ctr"/>
             <a:r>
-              <a:rPr lang="en-US" sz="1400" dirty="0" err="1"/>
-              <a:t>AreaName</a:t>
+              <a:rPr lang="en-US" sz="1400" dirty="0"/>
+              <a:t>AreaID</a:t>
             </a:r>
             <a:endParaRPr lang="ar-EG" sz="1400" dirty="0"/>
           </a:p>
@@ -6151,165 +5777,8 @@
             <a:p>
               <a:pPr algn="ctr"/>
               <a:r>
-                <a:rPr lang="en-US" sz="1400" dirty="0">
-                  <a:effectLst/>
-                  <a:latin typeface="Calibri" panose="020F0502020204030204" pitchFamily="34" charset="0"/>
-                  <a:ea typeface="Calibri" panose="020F0502020204030204" pitchFamily="34" charset="0"/>
-                  <a:cs typeface="Arial" panose="020B0604020202020204" pitchFamily="34" charset="0"/>
-                </a:rPr>
-                <a:t>City</a:t>
-              </a:r>
-              <a:endParaRPr lang="ar-EG" sz="500" dirty="0"/>
-            </a:p>
-          </p:txBody>
-        </p:sp>
-      </p:grpSp>
-      <p:cxnSp>
-        <p:nvCxnSpPr>
-          <p:cNvPr id="332" name="Straight Connector 331">
-            <a:extLst>
-              <a:ext uri="{FF2B5EF4-FFF2-40B4-BE49-F238E27FC236}">
-                <a16:creationId xmlns:a16="http://schemas.microsoft.com/office/drawing/2014/main" id="{3897E1E7-1643-4DF9-AE9E-31B7A2C3C2D1}"/>
-              </a:ext>
-            </a:extLst>
-          </p:cNvPr>
-          <p:cNvCxnSpPr>
-            <a:cxnSpLocks/>
-            <a:stCxn id="339" idx="2"/>
-            <a:endCxn id="334" idx="0"/>
-          </p:cNvCxnSpPr>
-          <p:nvPr/>
-        </p:nvCxnSpPr>
-        <p:spPr>
-          <a:xfrm flipV="1">
-            <a:off x="7576018" y="2278239"/>
-            <a:ext cx="525924" cy="1507442"/>
-          </a:xfrm>
-          <a:prstGeom prst="line">
-            <a:avLst/>
-          </a:prstGeom>
-        </p:spPr>
-        <p:style>
-          <a:lnRef idx="1">
-            <a:schemeClr val="dk1"/>
-          </a:lnRef>
-          <a:fillRef idx="0">
-            <a:schemeClr val="dk1"/>
-          </a:fillRef>
-          <a:effectRef idx="0">
-            <a:schemeClr val="dk1"/>
-          </a:effectRef>
-          <a:fontRef idx="minor">
-            <a:schemeClr val="tx1"/>
-          </a:fontRef>
-        </p:style>
-      </p:cxnSp>
-      <p:grpSp>
-        <p:nvGrpSpPr>
-          <p:cNvPr id="333" name="Group 332">
-            <a:extLst>
-              <a:ext uri="{FF2B5EF4-FFF2-40B4-BE49-F238E27FC236}">
-                <a16:creationId xmlns:a16="http://schemas.microsoft.com/office/drawing/2014/main" id="{765D30C4-99C7-4E41-9F02-388774A9D7CD}"/>
-              </a:ext>
-            </a:extLst>
-          </p:cNvPr>
-          <p:cNvGrpSpPr/>
-          <p:nvPr/>
-        </p:nvGrpSpPr>
-        <p:grpSpPr>
-          <a:xfrm>
-            <a:off x="7654539" y="2278239"/>
-            <a:ext cx="894805" cy="444136"/>
-            <a:chOff x="4855130" y="795209"/>
-            <a:chExt cx="894805" cy="444136"/>
-          </a:xfrm>
-        </p:grpSpPr>
-        <p:sp>
-          <p:nvSpPr>
-            <p:cNvPr id="334" name="Oval 333">
-              <a:extLst>
-                <a:ext uri="{FF2B5EF4-FFF2-40B4-BE49-F238E27FC236}">
-                  <a16:creationId xmlns:a16="http://schemas.microsoft.com/office/drawing/2014/main" id="{1135D449-F073-4AAC-8A67-916FE09AC90F}"/>
-                </a:ext>
-              </a:extLst>
-            </p:cNvPr>
-            <p:cNvSpPr/>
-            <p:nvPr/>
-          </p:nvSpPr>
-          <p:spPr>
-            <a:xfrm>
-              <a:off x="4855130" y="795209"/>
-              <a:ext cx="894805" cy="444136"/>
-            </a:xfrm>
-            <a:prstGeom prst="ellipse">
-              <a:avLst/>
-            </a:prstGeom>
-            <a:ln>
-              <a:solidFill>
-                <a:schemeClr val="tx1"/>
-              </a:solidFill>
-            </a:ln>
-          </p:spPr>
-          <p:style>
-            <a:lnRef idx="2">
-              <a:schemeClr val="accent6"/>
-            </a:lnRef>
-            <a:fillRef idx="1">
-              <a:schemeClr val="lt1"/>
-            </a:fillRef>
-            <a:effectRef idx="0">
-              <a:schemeClr val="accent6"/>
-            </a:effectRef>
-            <a:fontRef idx="minor">
-              <a:schemeClr val="dk1"/>
-            </a:fontRef>
-          </p:style>
-          <p:txBody>
-            <a:bodyPr rtlCol="1" anchor="ctr"/>
-            <a:lstStyle/>
-            <a:p>
-              <a:pPr algn="ctr"/>
-              <a:endParaRPr lang="ar-EG" sz="500" dirty="0"/>
-            </a:p>
-          </p:txBody>
-        </p:sp>
-        <p:sp>
-          <p:nvSpPr>
-            <p:cNvPr id="335" name="TextBox 334">
-              <a:extLst>
-                <a:ext uri="{FF2B5EF4-FFF2-40B4-BE49-F238E27FC236}">
-                  <a16:creationId xmlns:a16="http://schemas.microsoft.com/office/drawing/2014/main" id="{E7176336-B688-456F-BDF6-34004FE5FA8D}"/>
-                </a:ext>
-              </a:extLst>
-            </p:cNvPr>
-            <p:cNvSpPr txBox="1"/>
-            <p:nvPr/>
-          </p:nvSpPr>
-          <p:spPr>
-            <a:xfrm>
-              <a:off x="4895280" y="862041"/>
-              <a:ext cx="850900" cy="261610"/>
-            </a:xfrm>
-            <a:prstGeom prst="rect">
-              <a:avLst/>
-            </a:prstGeom>
-            <a:noFill/>
-          </p:spPr>
-          <p:txBody>
-            <a:bodyPr wrap="square" rtlCol="1">
-              <a:spAutoFit/>
-            </a:bodyPr>
-            <a:lstStyle/>
-            <a:p>
-              <a:pPr algn="ctr"/>
-              <a:r>
-                <a:rPr lang="en-US" sz="1100" dirty="0" err="1">
-                  <a:effectLst/>
-                  <a:latin typeface="Calibri" panose="020F0502020204030204" pitchFamily="34" charset="0"/>
-                  <a:ea typeface="Calibri" panose="020F0502020204030204" pitchFamily="34" charset="0"/>
-                  <a:cs typeface="Arial" panose="020B0604020202020204" pitchFamily="34" charset="0"/>
-                </a:rPr>
-                <a:t>StateName</a:t>
+                <a:rPr lang="en-US" sz="1400" dirty="0"/>
+                <a:t>officerID</a:t>
               </a:r>
               <a:endParaRPr lang="ar-EG" sz="500" dirty="0"/>
             </a:p>
@@ -6335,7 +5804,7 @@
         <p:spPr>
           <a:xfrm flipV="1">
             <a:off x="7576018" y="2939736"/>
-            <a:ext cx="1331504" cy="845945"/>
+            <a:ext cx="1339395" cy="845945"/>
           </a:xfrm>
           <a:prstGeom prst="line">
             <a:avLst/>
@@ -6371,7 +5840,7 @@
         <p:spPr>
           <a:xfrm>
             <a:off x="8776481" y="2560642"/>
-            <a:ext cx="894805" cy="444136"/>
+            <a:ext cx="948684" cy="444136"/>
           </a:xfrm>
           <a:prstGeom prst="ellipse">
             <a:avLst/>
@@ -6402,8 +5871,13 @@
           <a:p>
             <a:pPr algn="ctr"/>
             <a:r>
-              <a:rPr lang="en-US" sz="1400" u="sng" dirty="0"/>
-              <a:t>UID</a:t>
+              <a:rPr lang="en-US" sz="1400" dirty="0">
+                <a:solidFill>
+                  <a:srgbClr val="000000"/>
+                </a:solidFill>
+                <a:effectLst/>
+              </a:rPr>
+              <a:t>userID</a:t>
             </a:r>
             <a:endParaRPr lang="ar-EG" sz="1400" u="sng" dirty="0"/>
           </a:p>
@@ -6642,7 +6116,7 @@
         <p:spPr>
           <a:xfrm>
             <a:off x="1246985" y="1053621"/>
-            <a:ext cx="294693" cy="1216660"/>
+            <a:ext cx="252846" cy="1216660"/>
           </a:xfrm>
           <a:prstGeom prst="line">
             <a:avLst/>
@@ -6677,8 +6151,8 @@
         </p:nvSpPr>
         <p:spPr>
           <a:xfrm>
-            <a:off x="1094275" y="2270281"/>
-            <a:ext cx="894805" cy="444136"/>
+            <a:off x="1010581" y="2270281"/>
+            <a:ext cx="978499" cy="444136"/>
           </a:xfrm>
           <a:prstGeom prst="ellipse">
             <a:avLst/>
@@ -6709,8 +6183,13 @@
           <a:p>
             <a:pPr algn="ctr"/>
             <a:r>
-              <a:rPr lang="en-US" sz="1400" dirty="0"/>
-              <a:t>Name</a:t>
+              <a:rPr lang="en-US" sz="1400" dirty="0">
+                <a:solidFill>
+                  <a:srgbClr val="000000"/>
+                </a:solidFill>
+                <a:effectLst/>
+              </a:rPr>
+              <a:t>AreaID</a:t>
             </a:r>
             <a:endParaRPr lang="ar-EG" sz="1400" dirty="0"/>
           </a:p>
@@ -6802,8 +6281,13 @@
           <a:p>
             <a:pPr algn="ctr"/>
             <a:r>
-              <a:rPr lang="en-US" sz="1400" dirty="0" err="1"/>
-              <a:t>AreaName</a:t>
+              <a:rPr lang="en-US" sz="1400" dirty="0">
+                <a:solidFill>
+                  <a:srgbClr val="000000"/>
+                </a:solidFill>
+                <a:effectLst/>
+              </a:rPr>
+              <a:t>Sex</a:t>
             </a:r>
             <a:endParaRPr lang="ar-EG" sz="1400" dirty="0"/>
           </a:p>
@@ -6827,8 +6311,8 @@
         </p:nvCxnSpPr>
         <p:spPr>
           <a:xfrm flipH="1">
-            <a:off x="-107788" y="1053621"/>
-            <a:ext cx="1354773" cy="1193598"/>
+            <a:off x="-149492" y="1053621"/>
+            <a:ext cx="1396477" cy="1193598"/>
           </a:xfrm>
           <a:prstGeom prst="line">
             <a:avLst/>
@@ -6863,8 +6347,8 @@
         </p:nvSpPr>
         <p:spPr>
           <a:xfrm>
-            <a:off x="-871552" y="2182177"/>
-            <a:ext cx="894805" cy="444136"/>
+            <a:off x="-1156322" y="2182177"/>
+            <a:ext cx="1179575" cy="444136"/>
           </a:xfrm>
           <a:prstGeom prst="ellipse">
             <a:avLst/>
@@ -6895,10 +6379,15 @@
           <a:p>
             <a:pPr algn="ctr"/>
             <a:r>
-              <a:rPr lang="en-US" sz="1400" dirty="0"/>
-              <a:t>Email</a:t>
+              <a:rPr lang="en-US" sz="1400" u="sng" dirty="0">
+                <a:solidFill>
+                  <a:srgbClr val="000000"/>
+                </a:solidFill>
+                <a:effectLst/>
+              </a:rPr>
+              <a:t>officerID</a:t>
             </a:r>
-            <a:endParaRPr lang="ar-EG" sz="1400" dirty="0"/>
+            <a:endParaRPr lang="ar-EG" sz="1400" u="sng" dirty="0"/>
           </a:p>
         </p:txBody>
       </p:sp>
@@ -6988,8 +6477,13 @@
           <a:p>
             <a:pPr algn="ctr"/>
             <a:r>
-              <a:rPr lang="en-US" sz="1200" dirty="0"/>
-              <a:t>Phone</a:t>
+              <a:rPr lang="en-US" sz="1200" dirty="0">
+                <a:solidFill>
+                  <a:srgbClr val="000000"/>
+                </a:solidFill>
+                <a:effectLst/>
+              </a:rPr>
+              <a:t>Email</a:t>
             </a:r>
             <a:endParaRPr lang="ar-EG" sz="1200" dirty="0"/>
           </a:p>
@@ -7134,21 +6628,13 @@
             <a:p>
               <a:pPr algn="ctr"/>
               <a:r>
-                <a:rPr kumimoji="0" lang="en-US" sz="1100" b="0" i="0" u="none" strike="noStrike" kern="1200" cap="none" spc="0" normalizeH="0" baseline="0" noProof="0" dirty="0" err="1">
-                  <a:ln>
-                    <a:noFill/>
-                  </a:ln>
+                <a:rPr lang="en-US" sz="1100" dirty="0">
                   <a:solidFill>
-                    <a:prstClr val="black"/>
+                    <a:srgbClr val="000000"/>
                   </a:solidFill>
                   <a:effectLst/>
-                  <a:uLnTx/>
-                  <a:uFillTx/>
-                  <a:latin typeface="Calibri" panose="020F0502020204030204" pitchFamily="34" charset="0"/>
-                  <a:ea typeface="Calibri" panose="020F0502020204030204" pitchFamily="34" charset="0"/>
-                  <a:cs typeface="Arial" panose="020B0604020202020204" pitchFamily="34" charset="0"/>
                 </a:rPr>
-                <a:t>StateName</a:t>
+                <a:t>Phone</a:t>
               </a:r>
               <a:endParaRPr lang="ar-EG" sz="700" dirty="0"/>
             </a:p>
@@ -7241,8 +6727,13 @@
           <a:p>
             <a:pPr algn="ctr"/>
             <a:r>
-              <a:rPr lang="en-US" sz="1400" u="sng" dirty="0"/>
-              <a:t>OID</a:t>
+              <a:rPr lang="en-US" sz="1400" dirty="0">
+                <a:solidFill>
+                  <a:srgbClr val="000000"/>
+                </a:solidFill>
+                <a:effectLst/>
+              </a:rPr>
+              <a:t>Name</a:t>
             </a:r>
             <a:endParaRPr lang="ar-EG" sz="1400" u="sng" dirty="0"/>
           </a:p>
@@ -7452,7 +6943,7 @@
         <p:spPr>
           <a:xfrm>
             <a:off x="6453172" y="1049967"/>
-            <a:ext cx="1592686" cy="387287"/>
+            <a:ext cx="1649885" cy="387287"/>
           </a:xfrm>
           <a:prstGeom prst="line">
             <a:avLst/>
@@ -7488,7 +6979,7 @@
         <p:spPr>
           <a:xfrm>
             <a:off x="7598455" y="1437254"/>
-            <a:ext cx="894805" cy="444136"/>
+            <a:ext cx="1009203" cy="444136"/>
           </a:xfrm>
           <a:prstGeom prst="ellipse">
             <a:avLst/>
@@ -7519,7 +7010,7 @@
           <a:p>
             <a:pPr algn="ctr"/>
             <a:r>
-              <a:rPr lang="en-US" sz="1400" kern="1200" dirty="0" err="1">
+              <a:rPr lang="en-US" sz="1400" kern="1200" dirty="0">
                 <a:solidFill>
                   <a:srgbClr val="000000"/>
                 </a:solidFill>
@@ -7528,7 +7019,7 @@
                 <a:ea typeface="Calibri" panose="020F0502020204030204" pitchFamily="34" charset="0"/>
                 <a:cs typeface="Arial" panose="020B0604020202020204" pitchFamily="34" charset="0"/>
               </a:rPr>
-              <a:t>StateName</a:t>
+              <a:t>StateID</a:t>
             </a:r>
             <a:endParaRPr lang="ar-EG" sz="1100" dirty="0"/>
           </a:p>
@@ -7552,8 +7043,8 @@
         </p:nvCxnSpPr>
         <p:spPr>
           <a:xfrm flipH="1">
-            <a:off x="6117242" y="1049967"/>
-            <a:ext cx="335930" cy="536014"/>
+            <a:off x="6068904" y="1049967"/>
+            <a:ext cx="384268" cy="868821"/>
           </a:xfrm>
           <a:prstGeom prst="line">
             <a:avLst/>
@@ -7588,8 +7079,8 @@
         </p:nvSpPr>
         <p:spPr>
           <a:xfrm>
-            <a:off x="5669839" y="1585981"/>
-            <a:ext cx="894805" cy="444136"/>
+            <a:off x="5470119" y="1918788"/>
+            <a:ext cx="1197569" cy="444136"/>
           </a:xfrm>
           <a:prstGeom prst="ellipse">
             <a:avLst/>
@@ -7620,8 +7111,13 @@
           <a:p>
             <a:pPr algn="ctr"/>
             <a:r>
-              <a:rPr lang="en-US" sz="1400" u="sng" dirty="0"/>
-              <a:t>AID</a:t>
+              <a:rPr lang="en-US" sz="1400" u="sng" dirty="0">
+                <a:solidFill>
+                  <a:srgbClr val="000000"/>
+                </a:solidFill>
+                <a:effectLst/>
+              </a:rPr>
+              <a:t>adminID</a:t>
             </a:r>
             <a:endParaRPr lang="ar-EG" sz="1400" u="sng" dirty="0"/>
           </a:p>
@@ -8754,7 +8250,7 @@
         <p:spPr>
           <a:xfrm>
             <a:off x="6453172" y="1049967"/>
-            <a:ext cx="2555530" cy="345665"/>
+            <a:ext cx="2774437" cy="154794"/>
           </a:xfrm>
           <a:prstGeom prst="line">
             <a:avLst/>
@@ -8789,7 +8285,7 @@
         </p:nvSpPr>
         <p:spPr>
           <a:xfrm>
-            <a:off x="8561299" y="1395632"/>
+            <a:off x="8780206" y="1204761"/>
             <a:ext cx="894805" cy="444136"/>
           </a:xfrm>
           <a:prstGeom prst="ellipse">
@@ -8842,7 +8338,7 @@
         </p:nvGrpSpPr>
         <p:grpSpPr>
           <a:xfrm>
-            <a:off x="-5809752" y="4740385"/>
+            <a:off x="-5777690" y="4827313"/>
             <a:ext cx="4992835" cy="1784001"/>
             <a:chOff x="-5268490" y="2766835"/>
             <a:chExt cx="4992835" cy="1784001"/>
@@ -8867,7 +8363,7 @@
           <p:spPr>
             <a:xfrm>
               <a:off x="-4376441" y="3574340"/>
-              <a:ext cx="584732" cy="199312"/>
+              <a:ext cx="806675" cy="299364"/>
             </a:xfrm>
             <a:prstGeom prst="line">
               <a:avLst/>
@@ -8902,8 +8398,8 @@
           </p:nvSpPr>
           <p:spPr>
             <a:xfrm>
-              <a:off x="-4239112" y="3773652"/>
-              <a:ext cx="894805" cy="444136"/>
+              <a:off x="-4267191" y="3873704"/>
+              <a:ext cx="1394850" cy="444136"/>
             </a:xfrm>
             <a:prstGeom prst="ellipse">
               <a:avLst/>
@@ -8934,7 +8430,12 @@
             <a:p>
               <a:pPr algn="ctr"/>
               <a:r>
-                <a:rPr lang="en-US" sz="1400" dirty="0" err="1"/>
+                <a:rPr lang="en-US" sz="1400" dirty="0">
+                  <a:solidFill>
+                    <a:srgbClr val="000000"/>
+                  </a:solidFill>
+                  <a:effectLst/>
+                </a:rPr>
                 <a:t>AreaName</a:t>
               </a:r>
               <a:endParaRPr lang="ar-EG" sz="1400" dirty="0"/>
@@ -9027,7 +8528,7 @@
             <a:p>
               <a:pPr algn="ctr"/>
               <a:r>
-                <a:rPr lang="en-US" sz="1200" u="sng" dirty="0" err="1"/>
+                <a:rPr lang="en-US" sz="1200" u="sng" dirty="0"/>
                 <a:t>AreaID</a:t>
               </a:r>
               <a:endParaRPr lang="ar-EG" sz="1200" u="sng" dirty="0"/>
@@ -9173,7 +8674,7 @@
             <a:p>
               <a:pPr algn="ctr"/>
               <a:r>
-                <a:rPr lang="en-US" sz="1400" kern="1200" dirty="0" err="1">
+                <a:rPr lang="en-US" sz="1400" kern="1200" dirty="0">
                   <a:solidFill>
                     <a:srgbClr val="000000"/>
                   </a:solidFill>
@@ -9274,7 +8775,7 @@
             <a:p>
               <a:pPr algn="ctr"/>
               <a:r>
-                <a:rPr lang="en-US" sz="1200" u="sng" dirty="0" err="1"/>
+                <a:rPr lang="en-US" sz="1200" u="sng" dirty="0"/>
                 <a:t>StateID</a:t>
               </a:r>
               <a:endParaRPr lang="ar-EG" sz="1200" u="sng" dirty="0"/>
@@ -9474,7 +8975,7 @@
               <a:p>
                 <a:pPr algn="ctr"/>
                 <a:r>
-                  <a:rPr lang="en-US" sz="1400" dirty="0" err="1">
+                  <a:rPr lang="en-US" sz="1400" dirty="0">
                     <a:latin typeface="Calibri" panose="020F0502020204030204" pitchFamily="34" charset="0"/>
                     <a:cs typeface="Arial" panose="020B0604020202020204" pitchFamily="34" charset="0"/>
                   </a:rPr>
@@ -9668,8 +9169,8 @@
         </p:nvCxnSpPr>
         <p:spPr>
           <a:xfrm flipH="1">
-            <a:off x="-4917703" y="3939139"/>
-            <a:ext cx="1448869" cy="1164615"/>
+            <a:off x="-4885641" y="3939139"/>
+            <a:ext cx="1416807" cy="1251543"/>
           </a:xfrm>
           <a:prstGeom prst="line">
             <a:avLst/>
@@ -10180,8 +9681,8 @@
         </p:nvCxnSpPr>
         <p:spPr>
           <a:xfrm flipV="1">
-            <a:off x="-4917703" y="1009368"/>
-            <a:ext cx="1369470" cy="4094386"/>
+            <a:off x="-4885641" y="1009368"/>
+            <a:ext cx="1337408" cy="4181314"/>
           </a:xfrm>
           <a:prstGeom prst="line">
             <a:avLst/>
@@ -10436,8 +9937,8 @@
         </p:nvCxnSpPr>
         <p:spPr>
           <a:xfrm flipH="1">
-            <a:off x="-4917703" y="2535604"/>
-            <a:ext cx="1304943" cy="2568150"/>
+            <a:off x="-4885641" y="2535604"/>
+            <a:ext cx="1272881" cy="2655078"/>
           </a:xfrm>
           <a:prstGeom prst="line">
             <a:avLst/>
@@ -10724,8 +10225,8 @@
         </p:nvCxnSpPr>
         <p:spPr>
           <a:xfrm flipH="1" flipV="1">
-            <a:off x="51237" y="-2420475"/>
-            <a:ext cx="1210593" cy="407733"/>
+            <a:off x="-54590" y="-2420475"/>
+            <a:ext cx="1316420" cy="407733"/>
           </a:xfrm>
           <a:prstGeom prst="line">
             <a:avLst/>
@@ -10760,8 +10261,8 @@
         </p:nvSpPr>
         <p:spPr>
           <a:xfrm>
-            <a:off x="-396166" y="-2864611"/>
-            <a:ext cx="894805" cy="444136"/>
+            <a:off x="-607820" y="-2864611"/>
+            <a:ext cx="1106460" cy="444136"/>
           </a:xfrm>
           <a:prstGeom prst="ellipse">
             <a:avLst/>
@@ -10792,7 +10293,12 @@
           <a:p>
             <a:pPr algn="ctr"/>
             <a:r>
-              <a:rPr lang="en-US" sz="1050" u="sng" dirty="0" err="1"/>
+              <a:rPr lang="en-US" sz="1050" u="sng" dirty="0">
+                <a:solidFill>
+                  <a:srgbClr val="000000"/>
+                </a:solidFill>
+                <a:effectLst/>
+              </a:rPr>
               <a:t>RequestID</a:t>
             </a:r>
             <a:endParaRPr lang="ar-EG" sz="1050" u="sng" dirty="0"/>
@@ -10817,8 +10323,8 @@
         </p:nvCxnSpPr>
         <p:spPr>
           <a:xfrm flipV="1">
-            <a:off x="1261830" y="-2451917"/>
-            <a:ext cx="3514" cy="439175"/>
+            <a:off x="1261830" y="-2369119"/>
+            <a:ext cx="122912" cy="356377"/>
           </a:xfrm>
           <a:prstGeom prst="line">
             <a:avLst/>
@@ -10853,8 +10359,8 @@
         </p:nvSpPr>
         <p:spPr>
           <a:xfrm>
-            <a:off x="817941" y="-2896053"/>
-            <a:ext cx="894805" cy="444136"/>
+            <a:off x="657196" y="-2896054"/>
+            <a:ext cx="1455091" cy="526935"/>
           </a:xfrm>
           <a:prstGeom prst="ellipse">
             <a:avLst/>
@@ -10885,8 +10391,8 @@
           <a:p>
             <a:pPr algn="ctr"/>
             <a:r>
-              <a:rPr lang="en-US" sz="1050" dirty="0" err="1"/>
-              <a:t>RequestTitle</a:t>
+              <a:rPr lang="en-US" sz="1050" dirty="0"/>
+              <a:t>UserRequestID</a:t>
             </a:r>
             <a:endParaRPr lang="ar-EG" sz="1050" dirty="0"/>
           </a:p>
@@ -10910,8 +10416,8 @@
         </p:nvCxnSpPr>
         <p:spPr>
           <a:xfrm flipV="1">
-            <a:off x="1261830" y="-2485517"/>
-            <a:ext cx="901259" cy="472775"/>
+            <a:off x="1261830" y="-2267302"/>
+            <a:ext cx="1354910" cy="254560"/>
           </a:xfrm>
           <a:prstGeom prst="line">
             <a:avLst/>
@@ -10946,8 +10452,8 @@
         </p:nvSpPr>
         <p:spPr>
           <a:xfrm>
-            <a:off x="2032048" y="-2864611"/>
-            <a:ext cx="894805" cy="444136"/>
+            <a:off x="2429985" y="-2646396"/>
+            <a:ext cx="1275240" cy="444136"/>
           </a:xfrm>
           <a:prstGeom prst="ellipse">
             <a:avLst/>
@@ -10978,8 +10484,13 @@
           <a:p>
             <a:pPr algn="ctr"/>
             <a:r>
-              <a:rPr lang="en-US" sz="1050" dirty="0" err="1"/>
-              <a:t>Requestcontent</a:t>
+              <a:rPr lang="en-US" sz="1050" dirty="0">
+                <a:solidFill>
+                  <a:srgbClr val="000000"/>
+                </a:solidFill>
+                <a:effectLst/>
+              </a:rPr>
+              <a:t>RequestTitle</a:t>
             </a:r>
             <a:endParaRPr lang="ar-EG" sz="1050" dirty="0"/>
           </a:p>
@@ -11281,245 +10792,6 @@
           </a:fontRef>
         </p:style>
       </p:cxnSp>
-      <p:cxnSp>
-        <p:nvCxnSpPr>
-          <p:cNvPr id="234" name="Straight Connector 233">
-            <a:extLst>
-              <a:ext uri="{FF2B5EF4-FFF2-40B4-BE49-F238E27FC236}">
-                <a16:creationId xmlns:a16="http://schemas.microsoft.com/office/drawing/2014/main" id="{EB81F5D3-707D-4729-8BC2-00BAC4B7F6F5}"/>
-              </a:ext>
-            </a:extLst>
-          </p:cNvPr>
-          <p:cNvCxnSpPr>
-            <a:cxnSpLocks/>
-            <a:stCxn id="233" idx="2"/>
-            <a:endCxn id="235" idx="7"/>
-          </p:cNvCxnSpPr>
-          <p:nvPr/>
-        </p:nvCxnSpPr>
-        <p:spPr>
-          <a:xfrm flipH="1">
-            <a:off x="14578226" y="3873528"/>
-            <a:ext cx="468948" cy="1669987"/>
-          </a:xfrm>
-          <a:prstGeom prst="line">
-            <a:avLst/>
-          </a:prstGeom>
-        </p:spPr>
-        <p:style>
-          <a:lnRef idx="1">
-            <a:schemeClr val="dk1"/>
-          </a:lnRef>
-          <a:fillRef idx="0">
-            <a:schemeClr val="dk1"/>
-          </a:fillRef>
-          <a:effectRef idx="0">
-            <a:schemeClr val="dk1"/>
-          </a:effectRef>
-          <a:fontRef idx="minor">
-            <a:schemeClr val="tx1"/>
-          </a:fontRef>
-        </p:style>
-      </p:cxnSp>
-      <p:sp>
-        <p:nvSpPr>
-          <p:cNvPr id="235" name="Oval 234">
-            <a:extLst>
-              <a:ext uri="{FF2B5EF4-FFF2-40B4-BE49-F238E27FC236}">
-                <a16:creationId xmlns:a16="http://schemas.microsoft.com/office/drawing/2014/main" id="{FE50186C-1F02-439C-8F0C-0A798CCE8727}"/>
-              </a:ext>
-            </a:extLst>
-          </p:cNvPr>
-          <p:cNvSpPr/>
-          <p:nvPr/>
-        </p:nvSpPr>
-        <p:spPr>
-          <a:xfrm>
-            <a:off x="13814462" y="5478473"/>
-            <a:ext cx="894805" cy="444136"/>
-          </a:xfrm>
-          <a:prstGeom prst="ellipse">
-            <a:avLst/>
-          </a:prstGeom>
-          <a:ln>
-            <a:solidFill>
-              <a:schemeClr val="tx1"/>
-            </a:solidFill>
-          </a:ln>
-        </p:spPr>
-        <p:style>
-          <a:lnRef idx="2">
-            <a:schemeClr val="accent6"/>
-          </a:lnRef>
-          <a:fillRef idx="1">
-            <a:schemeClr val="lt1"/>
-          </a:fillRef>
-          <a:effectRef idx="0">
-            <a:schemeClr val="accent6"/>
-          </a:effectRef>
-          <a:fontRef idx="minor">
-            <a:schemeClr val="dk1"/>
-          </a:fontRef>
-        </p:style>
-        <p:txBody>
-          <a:bodyPr rtlCol="1" anchor="ctr"/>
-          <a:lstStyle/>
-          <a:p>
-            <a:pPr algn="ctr"/>
-            <a:r>
-              <a:rPr lang="en-US" sz="1050" u="sng" dirty="0" err="1"/>
-              <a:t>RequestID</a:t>
-            </a:r>
-            <a:endParaRPr lang="ar-EG" sz="1050" u="sng" dirty="0"/>
-          </a:p>
-        </p:txBody>
-      </p:sp>
-      <p:cxnSp>
-        <p:nvCxnSpPr>
-          <p:cNvPr id="236" name="Straight Connector 235">
-            <a:extLst>
-              <a:ext uri="{FF2B5EF4-FFF2-40B4-BE49-F238E27FC236}">
-                <a16:creationId xmlns:a16="http://schemas.microsoft.com/office/drawing/2014/main" id="{67C9B36A-3022-4757-AC8B-7365E9C50BCF}"/>
-              </a:ext>
-            </a:extLst>
-          </p:cNvPr>
-          <p:cNvCxnSpPr>
-            <a:cxnSpLocks/>
-            <a:stCxn id="233" idx="2"/>
-            <a:endCxn id="237" idx="6"/>
-          </p:cNvCxnSpPr>
-          <p:nvPr/>
-        </p:nvCxnSpPr>
-        <p:spPr>
-          <a:xfrm flipH="1">
-            <a:off x="14295238" y="3873528"/>
-            <a:ext cx="751936" cy="1328771"/>
-          </a:xfrm>
-          <a:prstGeom prst="line">
-            <a:avLst/>
-          </a:prstGeom>
-        </p:spPr>
-        <p:style>
-          <a:lnRef idx="1">
-            <a:schemeClr val="dk1"/>
-          </a:lnRef>
-          <a:fillRef idx="0">
-            <a:schemeClr val="dk1"/>
-          </a:fillRef>
-          <a:effectRef idx="0">
-            <a:schemeClr val="dk1"/>
-          </a:effectRef>
-          <a:fontRef idx="minor">
-            <a:schemeClr val="tx1"/>
-          </a:fontRef>
-        </p:style>
-      </p:cxnSp>
-      <p:sp>
-        <p:nvSpPr>
-          <p:cNvPr id="237" name="Oval 236">
-            <a:extLst>
-              <a:ext uri="{FF2B5EF4-FFF2-40B4-BE49-F238E27FC236}">
-                <a16:creationId xmlns:a16="http://schemas.microsoft.com/office/drawing/2014/main" id="{847E38FA-A1D3-4FA5-93FB-2AA34BE398A6}"/>
-              </a:ext>
-            </a:extLst>
-          </p:cNvPr>
-          <p:cNvSpPr/>
-          <p:nvPr/>
-        </p:nvSpPr>
-        <p:spPr>
-          <a:xfrm>
-            <a:off x="13400433" y="4980231"/>
-            <a:ext cx="894805" cy="444136"/>
-          </a:xfrm>
-          <a:prstGeom prst="ellipse">
-            <a:avLst/>
-          </a:prstGeom>
-          <a:ln>
-            <a:solidFill>
-              <a:schemeClr val="tx1"/>
-            </a:solidFill>
-          </a:ln>
-        </p:spPr>
-        <p:style>
-          <a:lnRef idx="2">
-            <a:schemeClr val="accent6"/>
-          </a:lnRef>
-          <a:fillRef idx="1">
-            <a:schemeClr val="lt1"/>
-          </a:fillRef>
-          <a:effectRef idx="0">
-            <a:schemeClr val="accent6"/>
-          </a:effectRef>
-          <a:fontRef idx="minor">
-            <a:schemeClr val="dk1"/>
-          </a:fontRef>
-        </p:style>
-        <p:txBody>
-          <a:bodyPr rtlCol="1" anchor="ctr"/>
-          <a:lstStyle/>
-          <a:p>
-            <a:pPr algn="ctr"/>
-            <a:r>
-              <a:rPr lang="en-US" sz="1050" dirty="0" err="1"/>
-              <a:t>RequestTitle</a:t>
-            </a:r>
-            <a:endParaRPr lang="ar-EG" sz="1050" dirty="0"/>
-          </a:p>
-        </p:txBody>
-      </p:sp>
-      <p:sp>
-        <p:nvSpPr>
-          <p:cNvPr id="239" name="Oval 238">
-            <a:extLst>
-              <a:ext uri="{FF2B5EF4-FFF2-40B4-BE49-F238E27FC236}">
-                <a16:creationId xmlns:a16="http://schemas.microsoft.com/office/drawing/2014/main" id="{ECC23302-C02A-4E9C-9A7B-0D077FBA1F25}"/>
-              </a:ext>
-            </a:extLst>
-          </p:cNvPr>
-          <p:cNvSpPr/>
-          <p:nvPr/>
-        </p:nvSpPr>
-        <p:spPr>
-          <a:xfrm>
-            <a:off x="13069386" y="4480152"/>
-            <a:ext cx="894805" cy="444136"/>
-          </a:xfrm>
-          <a:prstGeom prst="ellipse">
-            <a:avLst/>
-          </a:prstGeom>
-          <a:ln>
-            <a:solidFill>
-              <a:schemeClr val="tx1"/>
-            </a:solidFill>
-          </a:ln>
-        </p:spPr>
-        <p:style>
-          <a:lnRef idx="2">
-            <a:schemeClr val="accent6"/>
-          </a:lnRef>
-          <a:fillRef idx="1">
-            <a:schemeClr val="lt1"/>
-          </a:fillRef>
-          <a:effectRef idx="0">
-            <a:schemeClr val="accent6"/>
-          </a:effectRef>
-          <a:fontRef idx="minor">
-            <a:schemeClr val="dk1"/>
-          </a:fontRef>
-        </p:style>
-        <p:txBody>
-          <a:bodyPr rtlCol="1" anchor="ctr"/>
-          <a:lstStyle/>
-          <a:p>
-            <a:pPr algn="ctr"/>
-            <a:r>
-              <a:rPr lang="en-US" sz="1050" dirty="0" err="1"/>
-              <a:t>RequestType</a:t>
-            </a:r>
-            <a:endParaRPr lang="ar-EG" sz="1050" dirty="0"/>
-          </a:p>
-        </p:txBody>
-      </p:sp>
       <p:grpSp>
         <p:nvGrpSpPr>
           <p:cNvPr id="240" name="Group 239">
@@ -11816,117 +11088,6 @@
           </a:fontRef>
         </p:style>
       </p:cxnSp>
-      <p:grpSp>
-        <p:nvGrpSpPr>
-          <p:cNvPr id="249" name="Group 248">
-            <a:extLst>
-              <a:ext uri="{FF2B5EF4-FFF2-40B4-BE49-F238E27FC236}">
-                <a16:creationId xmlns:a16="http://schemas.microsoft.com/office/drawing/2014/main" id="{738A0B49-7D07-4C75-A433-40BB325E2812}"/>
-              </a:ext>
-            </a:extLst>
-          </p:cNvPr>
-          <p:cNvGrpSpPr/>
-          <p:nvPr/>
-        </p:nvGrpSpPr>
-        <p:grpSpPr>
-          <a:xfrm>
-            <a:off x="2461638" y="3720581"/>
-            <a:ext cx="894805" cy="444136"/>
-            <a:chOff x="4855130" y="795209"/>
-            <a:chExt cx="894805" cy="444136"/>
-          </a:xfrm>
-        </p:grpSpPr>
-        <p:sp>
-          <p:nvSpPr>
-            <p:cNvPr id="250" name="Oval 249">
-              <a:extLst>
-                <a:ext uri="{FF2B5EF4-FFF2-40B4-BE49-F238E27FC236}">
-                  <a16:creationId xmlns:a16="http://schemas.microsoft.com/office/drawing/2014/main" id="{9E56EA79-FB24-4C97-8C5D-121AC5C50744}"/>
-                </a:ext>
-              </a:extLst>
-            </p:cNvPr>
-            <p:cNvSpPr/>
-            <p:nvPr/>
-          </p:nvSpPr>
-          <p:spPr>
-            <a:xfrm>
-              <a:off x="4855130" y="795209"/>
-              <a:ext cx="894805" cy="444136"/>
-            </a:xfrm>
-            <a:prstGeom prst="ellipse">
-              <a:avLst/>
-            </a:prstGeom>
-            <a:ln>
-              <a:solidFill>
-                <a:schemeClr val="tx1"/>
-              </a:solidFill>
-            </a:ln>
-          </p:spPr>
-          <p:style>
-            <a:lnRef idx="2">
-              <a:schemeClr val="accent6"/>
-            </a:lnRef>
-            <a:fillRef idx="1">
-              <a:schemeClr val="lt1"/>
-            </a:fillRef>
-            <a:effectRef idx="0">
-              <a:schemeClr val="accent6"/>
-            </a:effectRef>
-            <a:fontRef idx="minor">
-              <a:schemeClr val="dk1"/>
-            </a:fontRef>
-          </p:style>
-          <p:txBody>
-            <a:bodyPr rtlCol="1" anchor="ctr"/>
-            <a:lstStyle/>
-            <a:p>
-              <a:pPr algn="ctr"/>
-              <a:endParaRPr lang="ar-EG" sz="500" dirty="0"/>
-            </a:p>
-          </p:txBody>
-        </p:sp>
-        <p:sp>
-          <p:nvSpPr>
-            <p:cNvPr id="251" name="TextBox 250">
-              <a:extLst>
-                <a:ext uri="{FF2B5EF4-FFF2-40B4-BE49-F238E27FC236}">
-                  <a16:creationId xmlns:a16="http://schemas.microsoft.com/office/drawing/2014/main" id="{932190E2-ECCF-4F1E-B73A-AB0CE9EA941B}"/>
-                </a:ext>
-              </a:extLst>
-            </p:cNvPr>
-            <p:cNvSpPr txBox="1"/>
-            <p:nvPr/>
-          </p:nvSpPr>
-          <p:spPr>
-            <a:xfrm>
-              <a:off x="4877082" y="868318"/>
-              <a:ext cx="850900" cy="253916"/>
-            </a:xfrm>
-            <a:prstGeom prst="rect">
-              <a:avLst/>
-            </a:prstGeom>
-            <a:noFill/>
-          </p:spPr>
-          <p:txBody>
-            <a:bodyPr wrap="square" rtlCol="1">
-              <a:spAutoFit/>
-            </a:bodyPr>
-            <a:lstStyle/>
-            <a:p>
-              <a:r>
-                <a:rPr lang="en-US" sz="1050" dirty="0" err="1">
-                  <a:effectLst/>
-                  <a:latin typeface="Calibri" panose="020F0502020204030204" pitchFamily="34" charset="0"/>
-                  <a:ea typeface="Calibri" panose="020F0502020204030204" pitchFamily="34" charset="0"/>
-                  <a:cs typeface="Arial" panose="020B0604020202020204" pitchFamily="34" charset="0"/>
-                </a:rPr>
-                <a:t>ImageName</a:t>
-              </a:r>
-              <a:endParaRPr lang="ar-EG" sz="1050" dirty="0"/>
-            </a:p>
-          </p:txBody>
-        </p:sp>
-      </p:grpSp>
       <p:cxnSp>
         <p:nvCxnSpPr>
           <p:cNvPr id="252" name="Straight Connector 251">
@@ -12064,14 +11225,10 @@
             </a:bodyPr>
             <a:lstStyle/>
             <a:p>
+              <a:pPr algn="ctr"/>
               <a:r>
-                <a:rPr lang="en-US" sz="1050" dirty="0" err="1">
-                  <a:effectLst/>
-                  <a:latin typeface="Calibri" panose="020F0502020204030204" pitchFamily="34" charset="0"/>
-                  <a:ea typeface="Calibri" panose="020F0502020204030204" pitchFamily="34" charset="0"/>
-                  <a:cs typeface="Arial" panose="020B0604020202020204" pitchFamily="34" charset="0"/>
-                </a:rPr>
-                <a:t>DocName</a:t>
+                <a:rPr lang="en-US" sz="1050" dirty="0"/>
+                <a:t>userID</a:t>
               </a:r>
               <a:endParaRPr lang="ar-EG" sz="1050" dirty="0"/>
             </a:p>
@@ -12136,8 +11293,8 @@
         </p:nvCxnSpPr>
         <p:spPr>
           <a:xfrm flipH="1" flipV="1">
-            <a:off x="14039295" y="2194098"/>
-            <a:ext cx="1007879" cy="1679430"/>
+            <a:off x="13984156" y="2266245"/>
+            <a:ext cx="1063018" cy="1607283"/>
           </a:xfrm>
           <a:prstGeom prst="line">
             <a:avLst/>
@@ -12172,8 +11329,8 @@
         </p:nvSpPr>
         <p:spPr>
           <a:xfrm>
-            <a:off x="13591892" y="1749962"/>
-            <a:ext cx="894805" cy="444136"/>
+            <a:off x="13430590" y="1805408"/>
+            <a:ext cx="1107131" cy="460837"/>
           </a:xfrm>
           <a:prstGeom prst="ellipse">
             <a:avLst/>
@@ -12204,10 +11361,10 @@
           <a:p>
             <a:pPr algn="ctr"/>
             <a:r>
-              <a:rPr lang="en-US" sz="1400" u="dash" dirty="0"/>
-              <a:t>MID</a:t>
+              <a:rPr lang="en-US" sz="800" dirty="0"/>
+              <a:t>RequestState</a:t>
             </a:r>
-            <a:endParaRPr lang="ar-EG" sz="1400" u="dash" dirty="0"/>
+            <a:endParaRPr lang="ar-EG" sz="800" u="dash" dirty="0"/>
           </a:p>
         </p:txBody>
       </p:sp>
@@ -12228,9 +11385,9 @@
           <p:nvPr/>
         </p:nvCxnSpPr>
         <p:spPr>
-          <a:xfrm>
-            <a:off x="15047174" y="3873528"/>
-            <a:ext cx="2278264" cy="1398216"/>
+          <a:xfrm flipH="1">
+            <a:off x="13813536" y="3873528"/>
+            <a:ext cx="1233638" cy="1025539"/>
           </a:xfrm>
           <a:prstGeom prst="line">
             <a:avLst/>
@@ -12265,8 +11422,8 @@
         </p:nvSpPr>
         <p:spPr>
           <a:xfrm>
-            <a:off x="16878035" y="5271744"/>
-            <a:ext cx="894805" cy="444136"/>
+            <a:off x="13089350" y="4899067"/>
+            <a:ext cx="1448371" cy="444136"/>
           </a:xfrm>
           <a:prstGeom prst="ellipse">
             <a:avLst/>
@@ -12297,8 +11454,13 @@
           <a:p>
             <a:pPr algn="ctr"/>
             <a:r>
-              <a:rPr lang="en-US" sz="1400" dirty="0"/>
-              <a:t>Name</a:t>
+              <a:rPr lang="en-US" sz="1400" dirty="0">
+                <a:solidFill>
+                  <a:srgbClr val="000000"/>
+                </a:solidFill>
+                <a:effectLst/>
+              </a:rPr>
+              <a:t>Occupation</a:t>
             </a:r>
             <a:endParaRPr lang="ar-EG" sz="1400" dirty="0"/>
           </a:p>
@@ -12323,7 +11485,7 @@
         <p:spPr>
           <a:xfrm>
             <a:off x="15047174" y="3873528"/>
-            <a:ext cx="2503409" cy="1043748"/>
+            <a:ext cx="2523264" cy="1043748"/>
           </a:xfrm>
           <a:prstGeom prst="line">
             <a:avLst/>
@@ -12359,7 +11521,7 @@
         <p:spPr>
           <a:xfrm>
             <a:off x="17419542" y="4852234"/>
-            <a:ext cx="894805" cy="444136"/>
+            <a:ext cx="1030383" cy="444136"/>
           </a:xfrm>
           <a:prstGeom prst="ellipse">
             <a:avLst/>
@@ -12390,8 +11552,13 @@
           <a:p>
             <a:pPr algn="ctr"/>
             <a:r>
-              <a:rPr lang="en-US" sz="1400" dirty="0" err="1"/>
-              <a:t>AreaName</a:t>
+              <a:rPr lang="en-US" sz="1400" dirty="0">
+                <a:solidFill>
+                  <a:srgbClr val="000000"/>
+                </a:solidFill>
+                <a:effectLst/>
+              </a:rPr>
+              <a:t>AreaID</a:t>
             </a:r>
             <a:endParaRPr lang="ar-EG" sz="1400" dirty="0"/>
           </a:p>
@@ -12414,9 +11581,9 @@
           <p:nvPr/>
         </p:nvCxnSpPr>
         <p:spPr>
-          <a:xfrm>
-            <a:off x="15047174" y="3873528"/>
-            <a:ext cx="1232428" cy="1508656"/>
+          <a:xfrm flipH="1">
+            <a:off x="12939325" y="3873528"/>
+            <a:ext cx="2107849" cy="410511"/>
           </a:xfrm>
           <a:prstGeom prst="line">
             <a:avLst/>
@@ -12451,8 +11618,8 @@
         </p:nvSpPr>
         <p:spPr>
           <a:xfrm>
-            <a:off x="15832199" y="5382184"/>
-            <a:ext cx="894805" cy="444136"/>
+            <a:off x="12405395" y="4284039"/>
+            <a:ext cx="1067860" cy="392960"/>
           </a:xfrm>
           <a:prstGeom prst="ellipse">
             <a:avLst/>
@@ -12484,7 +11651,7 @@
             <a:pPr algn="ctr"/>
             <a:r>
               <a:rPr lang="en-US" sz="1400" dirty="0"/>
-              <a:t>DOB</a:t>
+              <a:t>userID</a:t>
             </a:r>
             <a:endParaRPr lang="ar-EG" sz="1400" dirty="0"/>
           </a:p>
@@ -12580,192 +11747,6 @@
               <a:t>Sex</a:t>
             </a:r>
             <a:endParaRPr lang="ar-EG" sz="1400" dirty="0"/>
-          </a:p>
-        </p:txBody>
-      </p:sp>
-      <p:cxnSp>
-        <p:nvCxnSpPr>
-          <p:cNvPr id="267" name="Straight Connector 266">
-            <a:extLst>
-              <a:ext uri="{FF2B5EF4-FFF2-40B4-BE49-F238E27FC236}">
-                <a16:creationId xmlns:a16="http://schemas.microsoft.com/office/drawing/2014/main" id="{051643C3-DFBB-4FF5-8A67-AE57F2FE0F46}"/>
-              </a:ext>
-            </a:extLst>
-          </p:cNvPr>
-          <p:cNvCxnSpPr>
-            <a:cxnSpLocks/>
-            <a:stCxn id="233" idx="2"/>
-            <a:endCxn id="269" idx="6"/>
-          </p:cNvCxnSpPr>
-          <p:nvPr/>
-        </p:nvCxnSpPr>
-        <p:spPr>
-          <a:xfrm flipH="1">
-            <a:off x="14092570" y="3873528"/>
-            <a:ext cx="954604" cy="344439"/>
-          </a:xfrm>
-          <a:prstGeom prst="line">
-            <a:avLst/>
-          </a:prstGeom>
-        </p:spPr>
-        <p:style>
-          <a:lnRef idx="1">
-            <a:schemeClr val="dk1"/>
-          </a:lnRef>
-          <a:fillRef idx="0">
-            <a:schemeClr val="dk1"/>
-          </a:fillRef>
-          <a:effectRef idx="0">
-            <a:schemeClr val="dk1"/>
-          </a:effectRef>
-          <a:fontRef idx="minor">
-            <a:schemeClr val="tx1"/>
-          </a:fontRef>
-        </p:style>
-      </p:cxnSp>
-      <p:sp>
-        <p:nvSpPr>
-          <p:cNvPr id="269" name="Oval 268">
-            <a:extLst>
-              <a:ext uri="{FF2B5EF4-FFF2-40B4-BE49-F238E27FC236}">
-                <a16:creationId xmlns:a16="http://schemas.microsoft.com/office/drawing/2014/main" id="{8C9211AC-DDD5-4390-962A-F739091002FE}"/>
-              </a:ext>
-            </a:extLst>
-          </p:cNvPr>
-          <p:cNvSpPr/>
-          <p:nvPr/>
-        </p:nvSpPr>
-        <p:spPr>
-          <a:xfrm>
-            <a:off x="13197765" y="3995899"/>
-            <a:ext cx="894805" cy="444136"/>
-          </a:xfrm>
-          <a:prstGeom prst="ellipse">
-            <a:avLst/>
-          </a:prstGeom>
-          <a:ln>
-            <a:solidFill>
-              <a:schemeClr val="tx1"/>
-            </a:solidFill>
-          </a:ln>
-        </p:spPr>
-        <p:style>
-          <a:lnRef idx="2">
-            <a:schemeClr val="accent6"/>
-          </a:lnRef>
-          <a:fillRef idx="1">
-            <a:schemeClr val="lt1"/>
-          </a:fillRef>
-          <a:effectRef idx="0">
-            <a:schemeClr val="accent6"/>
-          </a:effectRef>
-          <a:fontRef idx="minor">
-            <a:schemeClr val="dk1"/>
-          </a:fontRef>
-        </p:style>
-        <p:txBody>
-          <a:bodyPr rtlCol="1" anchor="ctr"/>
-          <a:lstStyle/>
-          <a:p>
-            <a:pPr algn="ctr"/>
-            <a:r>
-              <a:rPr lang="en-US" sz="1400" dirty="0"/>
-              <a:t>Email</a:t>
-            </a:r>
-            <a:endParaRPr lang="ar-EG" sz="1400" dirty="0"/>
-          </a:p>
-        </p:txBody>
-      </p:sp>
-      <p:cxnSp>
-        <p:nvCxnSpPr>
-          <p:cNvPr id="270" name="Straight Connector 269">
-            <a:extLst>
-              <a:ext uri="{FF2B5EF4-FFF2-40B4-BE49-F238E27FC236}">
-                <a16:creationId xmlns:a16="http://schemas.microsoft.com/office/drawing/2014/main" id="{C4059D69-9057-407B-B30B-E3E4E8F69B83}"/>
-              </a:ext>
-            </a:extLst>
-          </p:cNvPr>
-          <p:cNvCxnSpPr>
-            <a:cxnSpLocks/>
-            <a:stCxn id="233" idx="2"/>
-            <a:endCxn id="271" idx="0"/>
-          </p:cNvCxnSpPr>
-          <p:nvPr/>
-        </p:nvCxnSpPr>
-        <p:spPr>
-          <a:xfrm>
-            <a:off x="15047174" y="3873528"/>
-            <a:ext cx="212929" cy="1508656"/>
-          </a:xfrm>
-          <a:prstGeom prst="line">
-            <a:avLst/>
-          </a:prstGeom>
-        </p:spPr>
-        <p:style>
-          <a:lnRef idx="1">
-            <a:schemeClr val="dk1"/>
-          </a:lnRef>
-          <a:fillRef idx="0">
-            <a:schemeClr val="dk1"/>
-          </a:fillRef>
-          <a:effectRef idx="0">
-            <a:schemeClr val="dk1"/>
-          </a:effectRef>
-          <a:fontRef idx="minor">
-            <a:schemeClr val="tx1"/>
-          </a:fontRef>
-        </p:style>
-      </p:cxnSp>
-      <p:sp>
-        <p:nvSpPr>
-          <p:cNvPr id="271" name="Oval 270">
-            <a:extLst>
-              <a:ext uri="{FF2B5EF4-FFF2-40B4-BE49-F238E27FC236}">
-                <a16:creationId xmlns:a16="http://schemas.microsoft.com/office/drawing/2014/main" id="{ADFDF5A7-23A0-470A-B0CE-2AC1735F7FF7}"/>
-              </a:ext>
-            </a:extLst>
-          </p:cNvPr>
-          <p:cNvSpPr/>
-          <p:nvPr/>
-        </p:nvSpPr>
-        <p:spPr>
-          <a:xfrm>
-            <a:off x="14812700" y="5382184"/>
-            <a:ext cx="894805" cy="444136"/>
-          </a:xfrm>
-          <a:prstGeom prst="ellipse">
-            <a:avLst/>
-          </a:prstGeom>
-          <a:ln>
-            <a:solidFill>
-              <a:schemeClr val="tx1"/>
-            </a:solidFill>
-          </a:ln>
-        </p:spPr>
-        <p:style>
-          <a:lnRef idx="2">
-            <a:schemeClr val="accent6"/>
-          </a:lnRef>
-          <a:fillRef idx="1">
-            <a:schemeClr val="lt1"/>
-          </a:fillRef>
-          <a:effectRef idx="0">
-            <a:schemeClr val="accent6"/>
-          </a:effectRef>
-          <a:fontRef idx="minor">
-            <a:schemeClr val="dk1"/>
-          </a:fontRef>
-        </p:style>
-        <p:txBody>
-          <a:bodyPr rtlCol="1" anchor="ctr"/>
-          <a:lstStyle/>
-          <a:p>
-            <a:pPr algn="ctr"/>
-            <a:r>
-              <a:rPr lang="en-US" sz="1200" dirty="0"/>
-              <a:t>Phone</a:t>
-            </a:r>
-            <a:endParaRPr lang="ar-EG" sz="1200" dirty="0"/>
           </a:p>
         </p:txBody>
       </p:sp>
@@ -12946,131 +11927,74 @@
             </a:bodyPr>
             <a:lstStyle/>
             <a:p>
+              <a:pPr algn="ctr"/>
               <a:r>
                 <a:rPr lang="en-US" sz="1100" dirty="0">
+                  <a:solidFill>
+                    <a:srgbClr val="000000"/>
+                  </a:solidFill>
                   <a:effectLst/>
-                  <a:latin typeface="Calibri" panose="020F0502020204030204" pitchFamily="34" charset="0"/>
-                  <a:ea typeface="Calibri" panose="020F0502020204030204" pitchFamily="34" charset="0"/>
-                  <a:cs typeface="Arial" panose="020B0604020202020204" pitchFamily="34" charset="0"/>
                 </a:rPr>
-                <a:t>Occupation</a:t>
+                <a:t>DOB</a:t>
               </a:r>
               <a:endParaRPr lang="ar-EG" sz="1100" dirty="0"/>
             </a:p>
           </p:txBody>
         </p:sp>
       </p:grpSp>
-      <p:grpSp>
-        <p:nvGrpSpPr>
-          <p:cNvPr id="277" name="Group 276">
-            <a:extLst>
-              <a:ext uri="{FF2B5EF4-FFF2-40B4-BE49-F238E27FC236}">
-                <a16:creationId xmlns:a16="http://schemas.microsoft.com/office/drawing/2014/main" id="{386B0859-DB35-46AF-9B50-D4C946ADDB32}"/>
-              </a:ext>
-            </a:extLst>
-          </p:cNvPr>
-          <p:cNvGrpSpPr/>
-          <p:nvPr/>
-        </p:nvGrpSpPr>
-        <p:grpSpPr>
+      <p:sp>
+        <p:nvSpPr>
+          <p:cNvPr id="278" name="Oval 277">
+            <a:extLst>
+              <a:ext uri="{FF2B5EF4-FFF2-40B4-BE49-F238E27FC236}">
+                <a16:creationId xmlns:a16="http://schemas.microsoft.com/office/drawing/2014/main" id="{07BF667D-D589-4432-931A-2F135171591A}"/>
+              </a:ext>
+            </a:extLst>
+          </p:cNvPr>
+          <p:cNvSpPr/>
+          <p:nvPr/>
+        </p:nvSpPr>
+        <p:spPr>
           <a:xfrm>
             <a:off x="14569872" y="1703298"/>
-            <a:ext cx="897196" cy="444136"/>
-            <a:chOff x="4810599" y="725329"/>
-            <a:chExt cx="897196" cy="444136"/>
-          </a:xfrm>
-        </p:grpSpPr>
-        <p:sp>
-          <p:nvSpPr>
-            <p:cNvPr id="278" name="Oval 277">
-              <a:extLst>
-                <a:ext uri="{FF2B5EF4-FFF2-40B4-BE49-F238E27FC236}">
-                  <a16:creationId xmlns:a16="http://schemas.microsoft.com/office/drawing/2014/main" id="{07BF667D-D589-4432-931A-2F135171591A}"/>
-                </a:ext>
-              </a:extLst>
-            </p:cNvPr>
-            <p:cNvSpPr/>
-            <p:nvPr/>
-          </p:nvSpPr>
-          <p:spPr>
-            <a:xfrm>
-              <a:off x="4810599" y="725329"/>
-              <a:ext cx="894805" cy="444136"/>
-            </a:xfrm>
-            <a:prstGeom prst="ellipse">
-              <a:avLst/>
-            </a:prstGeom>
-            <a:ln>
-              <a:solidFill>
-                <a:schemeClr val="tx1"/>
-              </a:solidFill>
-            </a:ln>
-          </p:spPr>
-          <p:style>
-            <a:lnRef idx="2">
-              <a:schemeClr val="accent6"/>
-            </a:lnRef>
-            <a:fillRef idx="1">
-              <a:schemeClr val="lt1"/>
-            </a:fillRef>
-            <a:effectRef idx="0">
-              <a:schemeClr val="accent6"/>
-            </a:effectRef>
-            <a:fontRef idx="minor">
-              <a:schemeClr val="dk1"/>
-            </a:fontRef>
-          </p:style>
-          <p:txBody>
-            <a:bodyPr rtlCol="1" anchor="ctr"/>
-            <a:lstStyle/>
-            <a:p>
-              <a:pPr algn="ctr"/>
-              <a:endParaRPr lang="ar-EG" sz="500" dirty="0"/>
-            </a:p>
-          </p:txBody>
-        </p:sp>
-        <p:sp>
-          <p:nvSpPr>
-            <p:cNvPr id="279" name="TextBox 278">
-              <a:extLst>
-                <a:ext uri="{FF2B5EF4-FFF2-40B4-BE49-F238E27FC236}">
-                  <a16:creationId xmlns:a16="http://schemas.microsoft.com/office/drawing/2014/main" id="{F5C70B0E-DC98-4E79-BB07-1B9FE76C3FE6}"/>
-                </a:ext>
-              </a:extLst>
-            </p:cNvPr>
-            <p:cNvSpPr txBox="1"/>
-            <p:nvPr/>
-          </p:nvSpPr>
-          <p:spPr>
-            <a:xfrm>
-              <a:off x="4856895" y="811289"/>
-              <a:ext cx="850900" cy="276999"/>
-            </a:xfrm>
-            <a:prstGeom prst="rect">
-              <a:avLst/>
-            </a:prstGeom>
-            <a:noFill/>
-          </p:spPr>
-          <p:txBody>
-            <a:bodyPr wrap="square" rtlCol="1">
-              <a:spAutoFit/>
-            </a:bodyPr>
-            <a:lstStyle/>
-            <a:p>
-              <a:r>
-                <a:rPr lang="en-US" sz="1200" dirty="0">
-                  <a:effectLst/>
-                  <a:latin typeface="Calibri" panose="020F0502020204030204" pitchFamily="34" charset="0"/>
-                  <a:ea typeface="Calibri" panose="020F0502020204030204" pitchFamily="34" charset="0"/>
-                  <a:cs typeface="Arial" panose="020B0604020202020204" pitchFamily="34" charset="0"/>
-                </a:rPr>
-                <a:t>Education</a:t>
-              </a:r>
-              <a:endParaRPr lang="ar-EG" sz="900" dirty="0"/>
-            </a:p>
-          </p:txBody>
-        </p:sp>
-      </p:grpSp>
+            <a:ext cx="894805" cy="444136"/>
+          </a:xfrm>
+          <a:prstGeom prst="ellipse">
+            <a:avLst/>
+          </a:prstGeom>
+          <a:ln>
+            <a:solidFill>
+              <a:schemeClr val="tx1"/>
+            </a:solidFill>
+          </a:ln>
+        </p:spPr>
+        <p:style>
+          <a:lnRef idx="2">
+            <a:schemeClr val="accent6"/>
+          </a:lnRef>
+          <a:fillRef idx="1">
+            <a:schemeClr val="lt1"/>
+          </a:fillRef>
+          <a:effectRef idx="0">
+            <a:schemeClr val="accent6"/>
+          </a:effectRef>
+          <a:fontRef idx="minor">
+            <a:schemeClr val="dk1"/>
+          </a:fontRef>
+        </p:style>
+        <p:txBody>
+          <a:bodyPr rtlCol="1" anchor="ctr"/>
+          <a:lstStyle/>
+          <a:p>
+            <a:pPr algn="ctr"/>
+            <a:r>
+              <a:rPr lang="en-US" sz="1400" dirty="0"/>
+              <a:t>Name</a:t>
+            </a:r>
+            <a:endParaRPr lang="ar-EG" sz="1400" dirty="0"/>
+          </a:p>
+        </p:txBody>
+      </p:sp>
       <p:cxnSp>
         <p:nvCxnSpPr>
           <p:cNvPr id="280" name="Straight Connector 279">
@@ -13211,12 +12135,12 @@
               <a:pPr algn="ctr"/>
               <a:r>
                 <a:rPr lang="en-US" sz="1400" dirty="0">
+                  <a:solidFill>
+                    <a:srgbClr val="000000"/>
+                  </a:solidFill>
                   <a:effectLst/>
-                  <a:latin typeface="Calibri" panose="020F0502020204030204" pitchFamily="34" charset="0"/>
-                  <a:ea typeface="Calibri" panose="020F0502020204030204" pitchFamily="34" charset="0"/>
-                  <a:cs typeface="Arial" panose="020B0604020202020204" pitchFamily="34" charset="0"/>
                 </a:rPr>
-                <a:t>Address</a:t>
+                <a:t>Phone</a:t>
               </a:r>
               <a:endParaRPr lang="ar-EG" sz="1000" dirty="0"/>
             </a:p>
@@ -13347,7 +12271,7 @@
           <p:spPr>
             <a:xfrm>
               <a:off x="4895280" y="862041"/>
-              <a:ext cx="850900" cy="307777"/>
+              <a:ext cx="850900" cy="276999"/>
             </a:xfrm>
             <a:prstGeom prst="rect">
               <a:avLst/>
@@ -13362,15 +12286,15 @@
             <a:p>
               <a:pPr algn="ctr"/>
               <a:r>
-                <a:rPr lang="en-US" sz="1400" dirty="0">
+                <a:rPr lang="en-US" sz="1200" dirty="0">
+                  <a:solidFill>
+                    <a:srgbClr val="000000"/>
+                  </a:solidFill>
                   <a:effectLst/>
-                  <a:latin typeface="Calibri" panose="020F0502020204030204" pitchFamily="34" charset="0"/>
-                  <a:ea typeface="Calibri" panose="020F0502020204030204" pitchFamily="34" charset="0"/>
-                  <a:cs typeface="Arial" panose="020B0604020202020204" pitchFamily="34" charset="0"/>
                 </a:rPr>
-                <a:t>City</a:t>
+                <a:t>Education</a:t>
               </a:r>
-              <a:endParaRPr lang="ar-EG" sz="500" dirty="0"/>
+              <a:endParaRPr lang="ar-EG" sz="1200" dirty="0"/>
             </a:p>
           </p:txBody>
         </p:sp>
@@ -13514,13 +12438,13 @@
             <a:p>
               <a:pPr algn="ctr"/>
               <a:r>
-                <a:rPr lang="en-US" sz="1100" dirty="0" err="1">
+                <a:rPr lang="en-US" sz="1100" dirty="0">
+                  <a:solidFill>
+                    <a:srgbClr val="000000"/>
+                  </a:solidFill>
                   <a:effectLst/>
-                  <a:latin typeface="Calibri" panose="020F0502020204030204" pitchFamily="34" charset="0"/>
-                  <a:ea typeface="Calibri" panose="020F0502020204030204" pitchFamily="34" charset="0"/>
-                  <a:cs typeface="Arial" panose="020B0604020202020204" pitchFamily="34" charset="0"/>
                 </a:rPr>
-                <a:t>StateName</a:t>
+                <a:t>Address</a:t>
               </a:r>
               <a:endParaRPr lang="ar-EG" sz="700" dirty="0"/>
             </a:p>
@@ -13624,14 +12548,15 @@
             </a:bodyPr>
             <a:lstStyle/>
             <a:p>
+              <a:pPr algn="ctr"/>
               <a:r>
-                <a:rPr lang="en-US" sz="1050" dirty="0" err="1">
+                <a:rPr lang="en-US" sz="1050" dirty="0">
+                  <a:solidFill>
+                    <a:srgbClr val="000000"/>
+                  </a:solidFill>
                   <a:effectLst/>
-                  <a:latin typeface="Calibri" panose="020F0502020204030204" pitchFamily="34" charset="0"/>
-                  <a:ea typeface="Calibri" panose="020F0502020204030204" pitchFamily="34" charset="0"/>
-                  <a:cs typeface="Arial" panose="020B0604020202020204" pitchFamily="34" charset="0"/>
                 </a:rPr>
-                <a:t>ImageName</a:t>
+                <a:t>Email</a:t>
               </a:r>
               <a:endParaRPr lang="ar-EG" sz="1050" dirty="0"/>
             </a:p>
@@ -13775,14 +12700,15 @@
             </a:bodyPr>
             <a:lstStyle/>
             <a:p>
+              <a:pPr algn="ctr"/>
               <a:r>
-                <a:rPr lang="en-US" sz="1050" dirty="0" err="1">
+                <a:rPr lang="en-US" sz="1050" dirty="0">
+                  <a:solidFill>
+                    <a:srgbClr val="000000"/>
+                  </a:solidFill>
                   <a:effectLst/>
-                  <a:latin typeface="Calibri" panose="020F0502020204030204" pitchFamily="34" charset="0"/>
-                  <a:ea typeface="Calibri" panose="020F0502020204030204" pitchFamily="34" charset="0"/>
-                  <a:cs typeface="Arial" panose="020B0604020202020204" pitchFamily="34" charset="0"/>
                 </a:rPr>
-                <a:t>DocName</a:t>
+                <a:t>memberID</a:t>
               </a:r>
               <a:endParaRPr lang="ar-EG" sz="1050" dirty="0"/>
             </a:p>
@@ -14103,8 +13029,8 @@
         </p:nvCxnSpPr>
         <p:spPr>
           <a:xfrm flipH="1" flipV="1">
-            <a:off x="13030428" y="2412632"/>
-            <a:ext cx="2016746" cy="1460896"/>
+            <a:off x="12951082" y="2412632"/>
+            <a:ext cx="2096092" cy="1460896"/>
           </a:xfrm>
           <a:prstGeom prst="line">
             <a:avLst/>
@@ -14139,8 +13065,8 @@
         </p:nvSpPr>
         <p:spPr>
           <a:xfrm>
-            <a:off x="12583025" y="1968496"/>
-            <a:ext cx="894805" cy="444136"/>
+            <a:off x="12424333" y="1968496"/>
+            <a:ext cx="1053498" cy="444136"/>
           </a:xfrm>
           <a:prstGeom prst="ellipse">
             <a:avLst/>
@@ -14171,10 +13097,10 @@
           <a:p>
             <a:pPr algn="ctr"/>
             <a:r>
-              <a:rPr lang="en-US" sz="1050" dirty="0" err="1"/>
-              <a:t>RequestState</a:t>
+              <a:rPr lang="en-US" sz="1050" u="sng" dirty="0"/>
+              <a:t>RequestID</a:t>
             </a:r>
-            <a:endParaRPr lang="ar-EG" sz="1050" dirty="0"/>
+            <a:endParaRPr lang="ar-EG" sz="1050" u="sng" dirty="0"/>
           </a:p>
         </p:txBody>
       </p:sp>
@@ -14514,6 +13440,726 @@
           <a:xfrm flipV="1">
             <a:off x="1246985" y="-1568606"/>
             <a:ext cx="14845" cy="517880"/>
+          </a:xfrm>
+          <a:prstGeom prst="line">
+            <a:avLst/>
+          </a:prstGeom>
+        </p:spPr>
+        <p:style>
+          <a:lnRef idx="1">
+            <a:schemeClr val="dk1"/>
+          </a:lnRef>
+          <a:fillRef idx="0">
+            <a:schemeClr val="dk1"/>
+          </a:fillRef>
+          <a:effectRef idx="0">
+            <a:schemeClr val="dk1"/>
+          </a:effectRef>
+          <a:fontRef idx="minor">
+            <a:schemeClr val="tx1"/>
+          </a:fontRef>
+        </p:style>
+      </p:cxnSp>
+      <p:sp>
+        <p:nvSpPr>
+          <p:cNvPr id="292" name="Oval 312">
+            <a:extLst>
+              <a:ext uri="{FF2B5EF4-FFF2-40B4-BE49-F238E27FC236}">
+                <a16:creationId xmlns:a16="http://schemas.microsoft.com/office/drawing/2014/main" id="{8CE0C22C-56C1-701F-0708-DEA7CA12F9C5}"/>
+              </a:ext>
+            </a:extLst>
+          </p:cNvPr>
+          <p:cNvSpPr/>
+          <p:nvPr/>
+        </p:nvSpPr>
+        <p:spPr>
+          <a:xfrm>
+            <a:off x="8602122" y="421043"/>
+            <a:ext cx="894805" cy="444136"/>
+          </a:xfrm>
+          <a:prstGeom prst="ellipse">
+            <a:avLst/>
+          </a:prstGeom>
+          <a:ln>
+            <a:solidFill>
+              <a:schemeClr val="tx1"/>
+            </a:solidFill>
+          </a:ln>
+        </p:spPr>
+        <p:style>
+          <a:lnRef idx="2">
+            <a:schemeClr val="accent6"/>
+          </a:lnRef>
+          <a:fillRef idx="1">
+            <a:schemeClr val="lt1"/>
+          </a:fillRef>
+          <a:effectRef idx="0">
+            <a:schemeClr val="accent6"/>
+          </a:effectRef>
+          <a:fontRef idx="minor">
+            <a:schemeClr val="dk1"/>
+          </a:fontRef>
+        </p:style>
+        <p:txBody>
+          <a:bodyPr rtlCol="1" anchor="ctr"/>
+          <a:lstStyle/>
+          <a:p>
+            <a:pPr algn="ctr"/>
+            <a:r>
+              <a:rPr lang="en-US" sz="1400" dirty="0"/>
+              <a:t>Email</a:t>
+            </a:r>
+            <a:endParaRPr lang="ar-EG" sz="1400" dirty="0"/>
+          </a:p>
+        </p:txBody>
+      </p:sp>
+      <p:cxnSp>
+        <p:nvCxnSpPr>
+          <p:cNvPr id="21" name="رابط مستقيم 20">
+            <a:extLst>
+              <a:ext uri="{FF2B5EF4-FFF2-40B4-BE49-F238E27FC236}">
+                <a16:creationId xmlns:a16="http://schemas.microsoft.com/office/drawing/2014/main" id="{FA8C5220-AD35-95A8-E860-69081A40F740}"/>
+              </a:ext>
+            </a:extLst>
+          </p:cNvPr>
+          <p:cNvCxnSpPr>
+            <a:cxnSpLocks/>
+            <a:stCxn id="543" idx="3"/>
+            <a:endCxn id="292" idx="2"/>
+          </p:cNvCxnSpPr>
+          <p:nvPr/>
+        </p:nvCxnSpPr>
+        <p:spPr>
+          <a:xfrm flipV="1">
+            <a:off x="7150597" y="643111"/>
+            <a:ext cx="1451525" cy="184788"/>
+          </a:xfrm>
+          <a:prstGeom prst="line">
+            <a:avLst/>
+          </a:prstGeom>
+        </p:spPr>
+        <p:style>
+          <a:lnRef idx="2">
+            <a:schemeClr val="dk1"/>
+          </a:lnRef>
+          <a:fillRef idx="0">
+            <a:schemeClr val="dk1"/>
+          </a:fillRef>
+          <a:effectRef idx="1">
+            <a:schemeClr val="dk1"/>
+          </a:effectRef>
+          <a:fontRef idx="minor">
+            <a:schemeClr val="tx1"/>
+          </a:fontRef>
+        </p:style>
+      </p:cxnSp>
+      <p:sp>
+        <p:nvSpPr>
+          <p:cNvPr id="293" name="Oval 31">
+            <a:extLst>
+              <a:ext uri="{FF2B5EF4-FFF2-40B4-BE49-F238E27FC236}">
+                <a16:creationId xmlns:a16="http://schemas.microsoft.com/office/drawing/2014/main" id="{151A070A-E501-2CE8-5458-F64C54841DD4}"/>
+              </a:ext>
+            </a:extLst>
+          </p:cNvPr>
+          <p:cNvSpPr/>
+          <p:nvPr/>
+        </p:nvSpPr>
+        <p:spPr>
+          <a:xfrm>
+            <a:off x="7855504" y="11741"/>
+            <a:ext cx="894805" cy="444136"/>
+          </a:xfrm>
+          <a:prstGeom prst="ellipse">
+            <a:avLst/>
+          </a:prstGeom>
+          <a:ln>
+            <a:solidFill>
+              <a:schemeClr val="tx1"/>
+            </a:solidFill>
+          </a:ln>
+        </p:spPr>
+        <p:style>
+          <a:lnRef idx="2">
+            <a:schemeClr val="accent6"/>
+          </a:lnRef>
+          <a:fillRef idx="1">
+            <a:schemeClr val="lt1"/>
+          </a:fillRef>
+          <a:effectRef idx="0">
+            <a:schemeClr val="accent6"/>
+          </a:effectRef>
+          <a:fontRef idx="minor">
+            <a:schemeClr val="dk1"/>
+          </a:fontRef>
+        </p:style>
+        <p:txBody>
+          <a:bodyPr rtlCol="1" anchor="ctr"/>
+          <a:lstStyle/>
+          <a:p>
+            <a:pPr algn="ctr"/>
+            <a:r>
+              <a:rPr lang="en-US" sz="1400" dirty="0"/>
+              <a:t>Sex</a:t>
+            </a:r>
+            <a:endParaRPr lang="ar-EG" sz="1400" dirty="0"/>
+          </a:p>
+        </p:txBody>
+      </p:sp>
+      <p:cxnSp>
+        <p:nvCxnSpPr>
+          <p:cNvPr id="294" name="رابط مستقيم 293">
+            <a:extLst>
+              <a:ext uri="{FF2B5EF4-FFF2-40B4-BE49-F238E27FC236}">
+                <a16:creationId xmlns:a16="http://schemas.microsoft.com/office/drawing/2014/main" id="{DD23EE84-D33F-A348-87C9-56EDC7A7BF78}"/>
+              </a:ext>
+            </a:extLst>
+          </p:cNvPr>
+          <p:cNvCxnSpPr>
+            <a:cxnSpLocks/>
+            <a:stCxn id="543" idx="3"/>
+            <a:endCxn id="293" idx="2"/>
+          </p:cNvCxnSpPr>
+          <p:nvPr/>
+        </p:nvCxnSpPr>
+        <p:spPr>
+          <a:xfrm flipV="1">
+            <a:off x="7150597" y="233809"/>
+            <a:ext cx="704907" cy="594090"/>
+          </a:xfrm>
+          <a:prstGeom prst="line">
+            <a:avLst/>
+          </a:prstGeom>
+        </p:spPr>
+        <p:style>
+          <a:lnRef idx="2">
+            <a:schemeClr val="dk1"/>
+          </a:lnRef>
+          <a:fillRef idx="0">
+            <a:schemeClr val="dk1"/>
+          </a:fillRef>
+          <a:effectRef idx="1">
+            <a:schemeClr val="dk1"/>
+          </a:effectRef>
+          <a:fontRef idx="minor">
+            <a:schemeClr val="tx1"/>
+          </a:fontRef>
+        </p:style>
+      </p:cxnSp>
+      <p:sp>
+        <p:nvSpPr>
+          <p:cNvPr id="349" name="Oval 218">
+            <a:extLst>
+              <a:ext uri="{FF2B5EF4-FFF2-40B4-BE49-F238E27FC236}">
+                <a16:creationId xmlns:a16="http://schemas.microsoft.com/office/drawing/2014/main" id="{62B70873-E3A9-6B90-DE53-C45D4AD31087}"/>
+              </a:ext>
+            </a:extLst>
+          </p:cNvPr>
+          <p:cNvSpPr/>
+          <p:nvPr/>
+        </p:nvSpPr>
+        <p:spPr>
+          <a:xfrm>
+            <a:off x="-1898623" y="-2619247"/>
+            <a:ext cx="1419215" cy="542929"/>
+          </a:xfrm>
+          <a:prstGeom prst="ellipse">
+            <a:avLst/>
+          </a:prstGeom>
+          <a:ln>
+            <a:solidFill>
+              <a:schemeClr val="tx1"/>
+            </a:solidFill>
+          </a:ln>
+        </p:spPr>
+        <p:style>
+          <a:lnRef idx="2">
+            <a:schemeClr val="accent6"/>
+          </a:lnRef>
+          <a:fillRef idx="1">
+            <a:schemeClr val="lt1"/>
+          </a:fillRef>
+          <a:effectRef idx="0">
+            <a:schemeClr val="accent6"/>
+          </a:effectRef>
+          <a:fontRef idx="minor">
+            <a:schemeClr val="dk1"/>
+          </a:fontRef>
+        </p:style>
+        <p:txBody>
+          <a:bodyPr rtlCol="1" anchor="ctr"/>
+          <a:lstStyle/>
+          <a:p>
+            <a:pPr algn="ctr"/>
+            <a:r>
+              <a:rPr lang="en-US" sz="1050" dirty="0">
+                <a:solidFill>
+                  <a:srgbClr val="000000"/>
+                </a:solidFill>
+                <a:effectLst/>
+              </a:rPr>
+              <a:t>ReqestContent</a:t>
+            </a:r>
+            <a:endParaRPr lang="ar-EG" sz="1050" u="sng" dirty="0"/>
+          </a:p>
+        </p:txBody>
+      </p:sp>
+      <p:cxnSp>
+        <p:nvCxnSpPr>
+          <p:cNvPr id="350" name="Straight Connector 217">
+            <a:extLst>
+              <a:ext uri="{FF2B5EF4-FFF2-40B4-BE49-F238E27FC236}">
+                <a16:creationId xmlns:a16="http://schemas.microsoft.com/office/drawing/2014/main" id="{4B6FD976-0063-F709-E61F-CEE135FF5A43}"/>
+              </a:ext>
+            </a:extLst>
+          </p:cNvPr>
+          <p:cNvCxnSpPr>
+            <a:cxnSpLocks/>
+            <a:stCxn id="216" idx="1"/>
+            <a:endCxn id="349" idx="6"/>
+          </p:cNvCxnSpPr>
+          <p:nvPr/>
+        </p:nvCxnSpPr>
+        <p:spPr>
+          <a:xfrm flipH="1" flipV="1">
+            <a:off x="-479408" y="-2347782"/>
+            <a:ext cx="1043813" cy="557108"/>
+          </a:xfrm>
+          <a:prstGeom prst="line">
+            <a:avLst/>
+          </a:prstGeom>
+        </p:spPr>
+        <p:style>
+          <a:lnRef idx="1">
+            <a:schemeClr val="dk1"/>
+          </a:lnRef>
+          <a:fillRef idx="0">
+            <a:schemeClr val="dk1"/>
+          </a:fillRef>
+          <a:effectRef idx="0">
+            <a:schemeClr val="dk1"/>
+          </a:effectRef>
+          <a:fontRef idx="minor">
+            <a:schemeClr val="tx1"/>
+          </a:fontRef>
+        </p:style>
+      </p:cxnSp>
+      <p:sp>
+        <p:nvSpPr>
+          <p:cNvPr id="351" name="Oval 222">
+            <a:extLst>
+              <a:ext uri="{FF2B5EF4-FFF2-40B4-BE49-F238E27FC236}">
+                <a16:creationId xmlns:a16="http://schemas.microsoft.com/office/drawing/2014/main" id="{2AF8DB44-1F65-0EC0-5C3C-672F319AA77D}"/>
+              </a:ext>
+            </a:extLst>
+          </p:cNvPr>
+          <p:cNvSpPr/>
+          <p:nvPr/>
+        </p:nvSpPr>
+        <p:spPr>
+          <a:xfrm>
+            <a:off x="-1901657" y="-2021483"/>
+            <a:ext cx="1275240" cy="444136"/>
+          </a:xfrm>
+          <a:prstGeom prst="ellipse">
+            <a:avLst/>
+          </a:prstGeom>
+          <a:ln>
+            <a:solidFill>
+              <a:schemeClr val="tx1"/>
+            </a:solidFill>
+          </a:ln>
+        </p:spPr>
+        <p:style>
+          <a:lnRef idx="2">
+            <a:schemeClr val="accent6"/>
+          </a:lnRef>
+          <a:fillRef idx="1">
+            <a:schemeClr val="lt1"/>
+          </a:fillRef>
+          <a:effectRef idx="0">
+            <a:schemeClr val="accent6"/>
+          </a:effectRef>
+          <a:fontRef idx="minor">
+            <a:schemeClr val="dk1"/>
+          </a:fontRef>
+        </p:style>
+        <p:txBody>
+          <a:bodyPr rtlCol="1" anchor="ctr"/>
+          <a:lstStyle/>
+          <a:p>
+            <a:pPr algn="ctr"/>
+            <a:r>
+              <a:rPr lang="en-US" sz="1050" dirty="0">
+                <a:solidFill>
+                  <a:srgbClr val="000000"/>
+                </a:solidFill>
+                <a:effectLst/>
+              </a:rPr>
+              <a:t>userID</a:t>
+            </a:r>
+            <a:endParaRPr lang="ar-EG" sz="1050" dirty="0"/>
+          </a:p>
+        </p:txBody>
+      </p:sp>
+      <p:cxnSp>
+        <p:nvCxnSpPr>
+          <p:cNvPr id="352" name="Straight Connector 217">
+            <a:extLst>
+              <a:ext uri="{FF2B5EF4-FFF2-40B4-BE49-F238E27FC236}">
+                <a16:creationId xmlns:a16="http://schemas.microsoft.com/office/drawing/2014/main" id="{167AE889-4433-FD6C-9EF8-20606821D46B}"/>
+              </a:ext>
+            </a:extLst>
+          </p:cNvPr>
+          <p:cNvCxnSpPr>
+            <a:cxnSpLocks/>
+            <a:stCxn id="216" idx="1"/>
+            <a:endCxn id="351" idx="6"/>
+          </p:cNvCxnSpPr>
+          <p:nvPr/>
+        </p:nvCxnSpPr>
+        <p:spPr>
+          <a:xfrm flipH="1" flipV="1">
+            <a:off x="-626417" y="-1799415"/>
+            <a:ext cx="1190822" cy="8741"/>
+          </a:xfrm>
+          <a:prstGeom prst="line">
+            <a:avLst/>
+          </a:prstGeom>
+        </p:spPr>
+        <p:style>
+          <a:lnRef idx="1">
+            <a:schemeClr val="dk1"/>
+          </a:lnRef>
+          <a:fillRef idx="0">
+            <a:schemeClr val="dk1"/>
+          </a:fillRef>
+          <a:effectRef idx="0">
+            <a:schemeClr val="dk1"/>
+          </a:effectRef>
+          <a:fontRef idx="minor">
+            <a:schemeClr val="tx1"/>
+          </a:fontRef>
+        </p:style>
+      </p:cxnSp>
+      <p:sp>
+        <p:nvSpPr>
+          <p:cNvPr id="353" name="Oval 222">
+            <a:extLst>
+              <a:ext uri="{FF2B5EF4-FFF2-40B4-BE49-F238E27FC236}">
+                <a16:creationId xmlns:a16="http://schemas.microsoft.com/office/drawing/2014/main" id="{37D51EBF-2264-7B2B-0DB2-2E85B649A0C9}"/>
+              </a:ext>
+            </a:extLst>
+          </p:cNvPr>
+          <p:cNvSpPr/>
+          <p:nvPr/>
+        </p:nvSpPr>
+        <p:spPr>
+          <a:xfrm>
+            <a:off x="-1683958" y="-1511030"/>
+            <a:ext cx="1275240" cy="444136"/>
+          </a:xfrm>
+          <a:prstGeom prst="ellipse">
+            <a:avLst/>
+          </a:prstGeom>
+          <a:ln>
+            <a:solidFill>
+              <a:schemeClr val="tx1"/>
+            </a:solidFill>
+          </a:ln>
+        </p:spPr>
+        <p:style>
+          <a:lnRef idx="2">
+            <a:schemeClr val="accent6"/>
+          </a:lnRef>
+          <a:fillRef idx="1">
+            <a:schemeClr val="lt1"/>
+          </a:fillRef>
+          <a:effectRef idx="0">
+            <a:schemeClr val="accent6"/>
+          </a:effectRef>
+          <a:fontRef idx="minor">
+            <a:schemeClr val="dk1"/>
+          </a:fontRef>
+        </p:style>
+        <p:txBody>
+          <a:bodyPr rtlCol="1" anchor="ctr"/>
+          <a:lstStyle/>
+          <a:p>
+            <a:pPr algn="ctr"/>
+            <a:r>
+              <a:rPr lang="en-US" sz="1050" dirty="0">
+                <a:solidFill>
+                  <a:srgbClr val="000000"/>
+                </a:solidFill>
+                <a:effectLst/>
+              </a:rPr>
+              <a:t>officerID</a:t>
+            </a:r>
+            <a:endParaRPr lang="ar-EG" sz="1050" dirty="0"/>
+          </a:p>
+        </p:txBody>
+      </p:sp>
+      <p:cxnSp>
+        <p:nvCxnSpPr>
+          <p:cNvPr id="354" name="Straight Connector 217">
+            <a:extLst>
+              <a:ext uri="{FF2B5EF4-FFF2-40B4-BE49-F238E27FC236}">
+                <a16:creationId xmlns:a16="http://schemas.microsoft.com/office/drawing/2014/main" id="{1B79A20E-2743-FCAA-36A9-042530E3776D}"/>
+              </a:ext>
+            </a:extLst>
+          </p:cNvPr>
+          <p:cNvCxnSpPr>
+            <a:cxnSpLocks/>
+            <a:stCxn id="216" idx="1"/>
+            <a:endCxn id="353" idx="6"/>
+          </p:cNvCxnSpPr>
+          <p:nvPr/>
+        </p:nvCxnSpPr>
+        <p:spPr>
+          <a:xfrm flipH="1">
+            <a:off x="-408718" y="-1790674"/>
+            <a:ext cx="973123" cy="501712"/>
+          </a:xfrm>
+          <a:prstGeom prst="line">
+            <a:avLst/>
+          </a:prstGeom>
+        </p:spPr>
+        <p:style>
+          <a:lnRef idx="1">
+            <a:schemeClr val="dk1"/>
+          </a:lnRef>
+          <a:fillRef idx="0">
+            <a:schemeClr val="dk1"/>
+          </a:fillRef>
+          <a:effectRef idx="0">
+            <a:schemeClr val="dk1"/>
+          </a:effectRef>
+          <a:fontRef idx="minor">
+            <a:schemeClr val="tx1"/>
+          </a:fontRef>
+        </p:style>
+      </p:cxnSp>
+      <p:grpSp>
+        <p:nvGrpSpPr>
+          <p:cNvPr id="355" name="Group 468">
+            <a:extLst>
+              <a:ext uri="{FF2B5EF4-FFF2-40B4-BE49-F238E27FC236}">
+                <a16:creationId xmlns:a16="http://schemas.microsoft.com/office/drawing/2014/main" id="{6224DBD7-5F4F-A5B4-2A2B-65236A325B10}"/>
+              </a:ext>
+            </a:extLst>
+          </p:cNvPr>
+          <p:cNvGrpSpPr/>
+          <p:nvPr/>
+        </p:nvGrpSpPr>
+        <p:grpSpPr>
+          <a:xfrm>
+            <a:off x="2595627" y="1083981"/>
+            <a:ext cx="894805" cy="444136"/>
+            <a:chOff x="4855130" y="795209"/>
+            <a:chExt cx="894805" cy="444136"/>
+          </a:xfrm>
+        </p:grpSpPr>
+        <p:sp>
+          <p:nvSpPr>
+            <p:cNvPr id="356" name="Oval 469">
+              <a:extLst>
+                <a:ext uri="{FF2B5EF4-FFF2-40B4-BE49-F238E27FC236}">
+                  <a16:creationId xmlns:a16="http://schemas.microsoft.com/office/drawing/2014/main" id="{7D414B69-6C34-C202-BAFB-43F211C0D967}"/>
+                </a:ext>
+              </a:extLst>
+            </p:cNvPr>
+            <p:cNvSpPr/>
+            <p:nvPr/>
+          </p:nvSpPr>
+          <p:spPr>
+            <a:xfrm>
+              <a:off x="4855130" y="795209"/>
+              <a:ext cx="894805" cy="444136"/>
+            </a:xfrm>
+            <a:prstGeom prst="ellipse">
+              <a:avLst/>
+            </a:prstGeom>
+            <a:ln>
+              <a:solidFill>
+                <a:schemeClr val="tx1"/>
+              </a:solidFill>
+            </a:ln>
+          </p:spPr>
+          <p:style>
+            <a:lnRef idx="2">
+              <a:schemeClr val="accent6"/>
+            </a:lnRef>
+            <a:fillRef idx="1">
+              <a:schemeClr val="lt1"/>
+            </a:fillRef>
+            <a:effectRef idx="0">
+              <a:schemeClr val="accent6"/>
+            </a:effectRef>
+            <a:fontRef idx="minor">
+              <a:schemeClr val="dk1"/>
+            </a:fontRef>
+          </p:style>
+          <p:txBody>
+            <a:bodyPr rtlCol="1" anchor="ctr"/>
+            <a:lstStyle/>
+            <a:p>
+              <a:pPr algn="ctr"/>
+              <a:endParaRPr lang="ar-EG" sz="500" dirty="0"/>
+            </a:p>
+          </p:txBody>
+        </p:sp>
+        <p:sp>
+          <p:nvSpPr>
+            <p:cNvPr id="357" name="TextBox 470">
+              <a:extLst>
+                <a:ext uri="{FF2B5EF4-FFF2-40B4-BE49-F238E27FC236}">
+                  <a16:creationId xmlns:a16="http://schemas.microsoft.com/office/drawing/2014/main" id="{45E73E50-962B-DC54-4DF3-46EDCE6F211B}"/>
+                </a:ext>
+              </a:extLst>
+            </p:cNvPr>
+            <p:cNvSpPr txBox="1"/>
+            <p:nvPr/>
+          </p:nvSpPr>
+          <p:spPr>
+            <a:xfrm>
+              <a:off x="4895280" y="862041"/>
+              <a:ext cx="850900" cy="261610"/>
+            </a:xfrm>
+            <a:prstGeom prst="rect">
+              <a:avLst/>
+            </a:prstGeom>
+            <a:noFill/>
+          </p:spPr>
+          <p:txBody>
+            <a:bodyPr wrap="square" rtlCol="1">
+              <a:spAutoFit/>
+            </a:bodyPr>
+            <a:lstStyle/>
+            <a:p>
+              <a:pPr algn="ctr"/>
+              <a:r>
+                <a:rPr lang="en-US" sz="1100" dirty="0"/>
+                <a:t>adminID</a:t>
+              </a:r>
+              <a:endParaRPr lang="ar-EG" sz="700" dirty="0"/>
+            </a:p>
+          </p:txBody>
+        </p:sp>
+      </p:grpSp>
+      <p:cxnSp>
+        <p:nvCxnSpPr>
+          <p:cNvPr id="358" name="Straight Connector 449">
+            <a:extLst>
+              <a:ext uri="{FF2B5EF4-FFF2-40B4-BE49-F238E27FC236}">
+                <a16:creationId xmlns:a16="http://schemas.microsoft.com/office/drawing/2014/main" id="{6657C2EA-1BC0-94D5-9689-715D4F66F267}"/>
+              </a:ext>
+            </a:extLst>
+          </p:cNvPr>
+          <p:cNvCxnSpPr>
+            <a:cxnSpLocks/>
+            <a:stCxn id="474" idx="2"/>
+            <a:endCxn id="357" idx="1"/>
+          </p:cNvCxnSpPr>
+          <p:nvPr/>
+        </p:nvCxnSpPr>
+        <p:spPr>
+          <a:xfrm>
+            <a:off x="1246985" y="1053621"/>
+            <a:ext cx="1388792" cy="227997"/>
+          </a:xfrm>
+          <a:prstGeom prst="line">
+            <a:avLst/>
+          </a:prstGeom>
+        </p:spPr>
+        <p:style>
+          <a:lnRef idx="1">
+            <a:schemeClr val="dk1"/>
+          </a:lnRef>
+          <a:fillRef idx="0">
+            <a:schemeClr val="dk1"/>
+          </a:fillRef>
+          <a:effectRef idx="0">
+            <a:schemeClr val="dk1"/>
+          </a:effectRef>
+          <a:fontRef idx="minor">
+            <a:schemeClr val="tx1"/>
+          </a:fontRef>
+        </p:style>
+      </p:cxnSp>
+      <p:sp>
+        <p:nvSpPr>
+          <p:cNvPr id="359" name="Oval 176">
+            <a:extLst>
+              <a:ext uri="{FF2B5EF4-FFF2-40B4-BE49-F238E27FC236}">
+                <a16:creationId xmlns:a16="http://schemas.microsoft.com/office/drawing/2014/main" id="{A8652601-155E-ACAF-C15B-FFCA1A311B84}"/>
+              </a:ext>
+            </a:extLst>
+          </p:cNvPr>
+          <p:cNvSpPr/>
+          <p:nvPr/>
+        </p:nvSpPr>
+        <p:spPr>
+          <a:xfrm>
+            <a:off x="-6095836" y="3698580"/>
+            <a:ext cx="1394850" cy="444136"/>
+          </a:xfrm>
+          <a:prstGeom prst="ellipse">
+            <a:avLst/>
+          </a:prstGeom>
+          <a:ln>
+            <a:solidFill>
+              <a:schemeClr val="tx1"/>
+            </a:solidFill>
+          </a:ln>
+        </p:spPr>
+        <p:style>
+          <a:lnRef idx="2">
+            <a:schemeClr val="accent6"/>
+          </a:lnRef>
+          <a:fillRef idx="1">
+            <a:schemeClr val="lt1"/>
+          </a:fillRef>
+          <a:effectRef idx="0">
+            <a:schemeClr val="accent6"/>
+          </a:effectRef>
+          <a:fontRef idx="minor">
+            <a:schemeClr val="dk1"/>
+          </a:fontRef>
+        </p:style>
+        <p:txBody>
+          <a:bodyPr rtlCol="1" anchor="ctr"/>
+          <a:lstStyle/>
+          <a:p>
+            <a:pPr algn="ctr"/>
+            <a:r>
+              <a:rPr lang="en-US" sz="1400" dirty="0"/>
+              <a:t>StateID</a:t>
+            </a:r>
+            <a:endParaRPr lang="ar-EG" sz="1400" dirty="0"/>
+          </a:p>
+        </p:txBody>
+      </p:sp>
+      <p:cxnSp>
+        <p:nvCxnSpPr>
+          <p:cNvPr id="360" name="Straight Connector 175">
+            <a:extLst>
+              <a:ext uri="{FF2B5EF4-FFF2-40B4-BE49-F238E27FC236}">
+                <a16:creationId xmlns:a16="http://schemas.microsoft.com/office/drawing/2014/main" id="{FEB80BE0-6ADB-1147-901A-F1EDFAD8FB59}"/>
+              </a:ext>
+            </a:extLst>
+          </p:cNvPr>
+          <p:cNvCxnSpPr>
+            <a:cxnSpLocks/>
+            <a:stCxn id="359" idx="4"/>
+            <a:endCxn id="180" idx="0"/>
+          </p:cNvCxnSpPr>
+          <p:nvPr/>
+        </p:nvCxnSpPr>
+        <p:spPr>
+          <a:xfrm>
+            <a:off x="-5398411" y="4142716"/>
+            <a:ext cx="512770" cy="1047966"/>
           </a:xfrm>
           <a:prstGeom prst="line">
             <a:avLst/>
